--- a/2/Web ծրագրավորման դասընթաց - Դաս 2.pptx
+++ b/2/Web ծրագրավորման դասընթաց - Դաս 2.pptx
@@ -13,16 +13,17 @@
     <p:sldId id="263" r:id="rId7"/>
     <p:sldId id="266" r:id="rId8"/>
     <p:sldId id="267" r:id="rId9"/>
-    <p:sldId id="264" r:id="rId10"/>
-    <p:sldId id="265" r:id="rId11"/>
-    <p:sldId id="268" r:id="rId12"/>
-    <p:sldId id="272" r:id="rId13"/>
-    <p:sldId id="259" r:id="rId14"/>
-    <p:sldId id="269" r:id="rId15"/>
-    <p:sldId id="270" r:id="rId16"/>
-    <p:sldId id="271" r:id="rId17"/>
-    <p:sldId id="273" r:id="rId18"/>
-    <p:sldId id="274" r:id="rId19"/>
+    <p:sldId id="275" r:id="rId10"/>
+    <p:sldId id="264" r:id="rId11"/>
+    <p:sldId id="265" r:id="rId12"/>
+    <p:sldId id="268" r:id="rId13"/>
+    <p:sldId id="272" r:id="rId14"/>
+    <p:sldId id="259" r:id="rId15"/>
+    <p:sldId id="269" r:id="rId16"/>
+    <p:sldId id="270" r:id="rId17"/>
+    <p:sldId id="271" r:id="rId18"/>
+    <p:sldId id="273" r:id="rId19"/>
+    <p:sldId id="274" r:id="rId20"/>
   </p:sldIdLst>
   <p:sldSz cx="12192000" cy="6858000"/>
   <p:notesSz cx="6858000" cy="9144000"/>
@@ -276,7 +277,7 @@
           <a:p>
             <a:fld id="{B054DD91-EB8A-463F-8F8B-D25AE6D5CF75}" type="datetimeFigureOut">
               <a:rPr lang="en-US" smtClean="0"/>
-              <a:t>5/11/2020</a:t>
+              <a:t>5/13/2020</a:t>
             </a:fld>
             <a:endParaRPr lang="en-US"/>
           </a:p>
@@ -474,7 +475,7 @@
           <a:p>
             <a:fld id="{B054DD91-EB8A-463F-8F8B-D25AE6D5CF75}" type="datetimeFigureOut">
               <a:rPr lang="en-US" smtClean="0"/>
-              <a:t>5/11/2020</a:t>
+              <a:t>5/13/2020</a:t>
             </a:fld>
             <a:endParaRPr lang="en-US"/>
           </a:p>
@@ -682,7 +683,7 @@
           <a:p>
             <a:fld id="{B054DD91-EB8A-463F-8F8B-D25AE6D5CF75}" type="datetimeFigureOut">
               <a:rPr lang="en-US" smtClean="0"/>
-              <a:t>5/11/2020</a:t>
+              <a:t>5/13/2020</a:t>
             </a:fld>
             <a:endParaRPr lang="en-US"/>
           </a:p>
@@ -880,7 +881,7 @@
           <a:p>
             <a:fld id="{B054DD91-EB8A-463F-8F8B-D25AE6D5CF75}" type="datetimeFigureOut">
               <a:rPr lang="en-US" smtClean="0"/>
-              <a:t>5/11/2020</a:t>
+              <a:t>5/13/2020</a:t>
             </a:fld>
             <a:endParaRPr lang="en-US"/>
           </a:p>
@@ -1155,7 +1156,7 @@
           <a:p>
             <a:fld id="{B054DD91-EB8A-463F-8F8B-D25AE6D5CF75}" type="datetimeFigureOut">
               <a:rPr lang="en-US" smtClean="0"/>
-              <a:t>5/11/2020</a:t>
+              <a:t>5/13/2020</a:t>
             </a:fld>
             <a:endParaRPr lang="en-US"/>
           </a:p>
@@ -1420,7 +1421,7 @@
           <a:p>
             <a:fld id="{B054DD91-EB8A-463F-8F8B-D25AE6D5CF75}" type="datetimeFigureOut">
               <a:rPr lang="en-US" smtClean="0"/>
-              <a:t>5/11/2020</a:t>
+              <a:t>5/13/2020</a:t>
             </a:fld>
             <a:endParaRPr lang="en-US"/>
           </a:p>
@@ -1832,7 +1833,7 @@
           <a:p>
             <a:fld id="{B054DD91-EB8A-463F-8F8B-D25AE6D5CF75}" type="datetimeFigureOut">
               <a:rPr lang="en-US" smtClean="0"/>
-              <a:t>5/11/2020</a:t>
+              <a:t>5/13/2020</a:t>
             </a:fld>
             <a:endParaRPr lang="en-US"/>
           </a:p>
@@ -1973,7 +1974,7 @@
           <a:p>
             <a:fld id="{B054DD91-EB8A-463F-8F8B-D25AE6D5CF75}" type="datetimeFigureOut">
               <a:rPr lang="en-US" smtClean="0"/>
-              <a:t>5/11/2020</a:t>
+              <a:t>5/13/2020</a:t>
             </a:fld>
             <a:endParaRPr lang="en-US"/>
           </a:p>
@@ -2086,7 +2087,7 @@
           <a:p>
             <a:fld id="{B054DD91-EB8A-463F-8F8B-D25AE6D5CF75}" type="datetimeFigureOut">
               <a:rPr lang="en-US" smtClean="0"/>
-              <a:t>5/11/2020</a:t>
+              <a:t>5/13/2020</a:t>
             </a:fld>
             <a:endParaRPr lang="en-US"/>
           </a:p>
@@ -2397,7 +2398,7 @@
           <a:p>
             <a:fld id="{B054DD91-EB8A-463F-8F8B-D25AE6D5CF75}" type="datetimeFigureOut">
               <a:rPr lang="en-US" smtClean="0"/>
-              <a:t>5/11/2020</a:t>
+              <a:t>5/13/2020</a:t>
             </a:fld>
             <a:endParaRPr lang="en-US"/>
           </a:p>
@@ -2685,7 +2686,7 @@
           <a:p>
             <a:fld id="{B054DD91-EB8A-463F-8F8B-D25AE6D5CF75}" type="datetimeFigureOut">
               <a:rPr lang="en-US" smtClean="0"/>
-              <a:t>5/11/2020</a:t>
+              <a:t>5/13/2020</a:t>
             </a:fld>
             <a:endParaRPr lang="en-US"/>
           </a:p>
@@ -2926,7 +2927,7 @@
           <a:p>
             <a:fld id="{B054DD91-EB8A-463F-8F8B-D25AE6D5CF75}" type="datetimeFigureOut">
               <a:rPr lang="en-US" smtClean="0"/>
-              <a:t>5/11/2020</a:t>
+              <a:t>5/13/2020</a:t>
             </a:fld>
             <a:endParaRPr lang="en-US"/>
           </a:p>
@@ -3441,6 +3442,14 @@
 <file path=ppt/slides/slide10.xml><?xml version="1.0" encoding="utf-8"?>
 <p:sld xmlns:a="http://schemas.openxmlformats.org/drawingml/2006/main" xmlns:r="http://schemas.openxmlformats.org/officeDocument/2006/relationships" xmlns:p="http://schemas.openxmlformats.org/presentationml/2006/main">
   <p:cSld>
+    <p:bg>
+      <p:bgPr>
+        <a:solidFill>
+          <a:schemeClr val="bg1"/>
+        </a:solidFill>
+        <a:effectLst/>
+      </p:bgPr>
+    </p:bg>
     <p:spTree>
       <p:nvGrpSpPr>
         <p:cNvPr id="1" name=""/>
@@ -3457,6 +3466,198 @@
       </p:grpSpPr>
       <p:sp>
         <p:nvSpPr>
+          <p:cNvPr id="11" name="Rectangle 10">
+            <a:extLst>
+              <a:ext uri="{FF2B5EF4-FFF2-40B4-BE49-F238E27FC236}">
+                <a16:creationId xmlns:a16="http://schemas.microsoft.com/office/drawing/2014/main" id="{32BC26D8-82FB-445E-AA49-62A77D7C1EE0}"/>
+              </a:ext>
+              <a:ext uri="{C183D7F6-B498-43B3-948B-1728B52AA6E4}">
+                <adec:decorative xmlns:adec="http://schemas.microsoft.com/office/drawing/2017/decorative" val="1"/>
+              </a:ext>
+            </a:extLst>
+          </p:cNvPr>
+          <p:cNvSpPr>
+            <a:spLocks noGrp="1" noRot="1" noChangeAspect="1" noMove="1" noResize="1" noEditPoints="1" noAdjustHandles="1" noChangeArrowheads="1" noChangeShapeType="1" noTextEdit="1"/>
+          </p:cNvSpPr>
+          <p:nvPr>
+            <p:extLst>
+              <p:ext uri="{386F3935-93C4-4BCD-93E2-E3B085C9AB24}">
+                <p16:designElem xmlns:p16="http://schemas.microsoft.com/office/powerpoint/2015/main" val="1"/>
+              </p:ext>
+            </p:extLst>
+          </p:nvPr>
+        </p:nvSpPr>
+        <p:spPr>
+          <a:xfrm>
+            <a:off x="0" y="0"/>
+            <a:ext cx="12192000" cy="6858000"/>
+          </a:xfrm>
+          <a:prstGeom prst="rect">
+            <a:avLst/>
+          </a:prstGeom>
+          <a:solidFill>
+            <a:srgbClr val="866E4B"/>
+          </a:solidFill>
+          <a:ln>
+            <a:noFill/>
+          </a:ln>
+        </p:spPr>
+        <p:style>
+          <a:lnRef idx="2">
+            <a:schemeClr val="accent1">
+              <a:shade val="50000"/>
+            </a:schemeClr>
+          </a:lnRef>
+          <a:fillRef idx="1">
+            <a:schemeClr val="accent1"/>
+          </a:fillRef>
+          <a:effectRef idx="0">
+            <a:schemeClr val="accent1"/>
+          </a:effectRef>
+          <a:fontRef idx="minor">
+            <a:schemeClr val="lt1"/>
+          </a:fontRef>
+        </p:style>
+        <p:txBody>
+          <a:bodyPr rtlCol="0" anchor="ctr"/>
+          <a:lstStyle/>
+          <a:p>
+            <a:pPr algn="ctr"/>
+            <a:endParaRPr lang="en-US"/>
+          </a:p>
+        </p:txBody>
+      </p:sp>
+      <p:sp>
+        <p:nvSpPr>
+          <p:cNvPr id="13" name="Rectangle 12">
+            <a:extLst>
+              <a:ext uri="{FF2B5EF4-FFF2-40B4-BE49-F238E27FC236}">
+                <a16:creationId xmlns:a16="http://schemas.microsoft.com/office/drawing/2014/main" id="{CB44330D-EA18-4254-AA95-EB49948539B8}"/>
+              </a:ext>
+              <a:ext uri="{C183D7F6-B498-43B3-948B-1728B52AA6E4}">
+                <adec:decorative xmlns:adec="http://schemas.microsoft.com/office/drawing/2017/decorative" val="1"/>
+              </a:ext>
+            </a:extLst>
+          </p:cNvPr>
+          <p:cNvSpPr>
+            <a:spLocks noGrp="1" noRot="1" noChangeAspect="1" noMove="1" noResize="1" noEditPoints="1" noAdjustHandles="1" noChangeArrowheads="1" noChangeShapeType="1" noTextEdit="1"/>
+          </p:cNvSpPr>
+          <p:nvPr>
+            <p:extLst>
+              <p:ext uri="{386F3935-93C4-4BCD-93E2-E3B085C9AB24}">
+                <p16:designElem xmlns:p16="http://schemas.microsoft.com/office/powerpoint/2015/main" val="1"/>
+              </p:ext>
+            </p:extLst>
+          </p:nvPr>
+        </p:nvSpPr>
+        <p:spPr>
+          <a:xfrm>
+            <a:off x="477012" y="480060"/>
+            <a:ext cx="11237976" cy="5897880"/>
+          </a:xfrm>
+          <a:prstGeom prst="rect">
+            <a:avLst/>
+          </a:prstGeom>
+          <a:solidFill>
+            <a:srgbClr val="FFFFFF"/>
+          </a:solidFill>
+          <a:ln>
+            <a:noFill/>
+          </a:ln>
+        </p:spPr>
+        <p:style>
+          <a:lnRef idx="2">
+            <a:schemeClr val="accent1">
+              <a:shade val="50000"/>
+            </a:schemeClr>
+          </a:lnRef>
+          <a:fillRef idx="1">
+            <a:schemeClr val="accent1"/>
+          </a:fillRef>
+          <a:effectRef idx="0">
+            <a:schemeClr val="accent1"/>
+          </a:effectRef>
+          <a:fontRef idx="minor">
+            <a:schemeClr val="lt1"/>
+          </a:fontRef>
+        </p:style>
+        <p:txBody>
+          <a:bodyPr rtlCol="0" anchor="ctr"/>
+          <a:lstStyle/>
+          <a:p>
+            <a:pPr algn="ctr"/>
+            <a:endParaRPr lang="en-US"/>
+          </a:p>
+        </p:txBody>
+      </p:sp>
+      <p:pic>
+        <p:nvPicPr>
+          <p:cNvPr id="6" name="Picture 5">
+            <a:extLst>
+              <a:ext uri="{FF2B5EF4-FFF2-40B4-BE49-F238E27FC236}">
+                <a16:creationId xmlns:a16="http://schemas.microsoft.com/office/drawing/2014/main" id="{665A932D-0DD1-4819-AEE3-217CBA626E95}"/>
+              </a:ext>
+            </a:extLst>
+          </p:cNvPr>
+          <p:cNvPicPr>
+            <a:picLocks noChangeAspect="1"/>
+          </p:cNvPicPr>
+          <p:nvPr/>
+        </p:nvPicPr>
+        <p:blipFill>
+          <a:blip r:embed="rId2">
+            <a:extLst>
+              <a:ext uri="{28A0092B-C50C-407E-A947-70E740481C1C}">
+                <a14:useLocalDpi xmlns:a14="http://schemas.microsoft.com/office/drawing/2010/main" val="0"/>
+              </a:ext>
+            </a:extLst>
+          </a:blip>
+          <a:stretch>
+            <a:fillRect/>
+          </a:stretch>
+        </p:blipFill>
+        <p:spPr>
+          <a:xfrm>
+            <a:off x="687196" y="643467"/>
+            <a:ext cx="10817607" cy="5571066"/>
+          </a:xfrm>
+          <a:prstGeom prst="rect">
+            <a:avLst/>
+          </a:prstGeom>
+        </p:spPr>
+      </p:pic>
+    </p:spTree>
+    <p:extLst>
+      <p:ext uri="{BB962C8B-B14F-4D97-AF65-F5344CB8AC3E}">
+        <p14:creationId xmlns:p14="http://schemas.microsoft.com/office/powerpoint/2010/main" val="3961196323"/>
+      </p:ext>
+    </p:extLst>
+  </p:cSld>
+  <p:clrMapOvr>
+    <a:masterClrMapping/>
+  </p:clrMapOvr>
+</p:sld>
+</file>
+
+<file path=ppt/slides/slide11.xml><?xml version="1.0" encoding="utf-8"?>
+<p:sld xmlns:a="http://schemas.openxmlformats.org/drawingml/2006/main" xmlns:r="http://schemas.openxmlformats.org/officeDocument/2006/relationships" xmlns:p="http://schemas.openxmlformats.org/presentationml/2006/main">
+  <p:cSld>
+    <p:spTree>
+      <p:nvGrpSpPr>
+        <p:cNvPr id="1" name=""/>
+        <p:cNvGrpSpPr/>
+        <p:nvPr/>
+      </p:nvGrpSpPr>
+      <p:grpSpPr>
+        <a:xfrm>
+          <a:off x="0" y="0"/>
+          <a:ext cx="0" cy="0"/>
+          <a:chOff x="0" y="0"/>
+          <a:chExt cx="0" cy="0"/>
+        </a:xfrm>
+      </p:grpSpPr>
+      <p:sp>
+        <p:nvSpPr>
           <p:cNvPr id="4" name="Title 3">
             <a:extLst>
               <a:ext uri="{FF2B5EF4-FFF2-40B4-BE49-F238E27FC236}">
@@ -3608,7 +3809,7 @@
 </p:sld>
 </file>
 
-<file path=ppt/slides/slide11.xml><?xml version="1.0" encoding="utf-8"?>
+<file path=ppt/slides/slide12.xml><?xml version="1.0" encoding="utf-8"?>
 <p:sld xmlns:a="http://schemas.openxmlformats.org/drawingml/2006/main" xmlns:r="http://schemas.openxmlformats.org/officeDocument/2006/relationships" xmlns:p="http://schemas.openxmlformats.org/presentationml/2006/main">
   <p:cSld>
     <p:bg>
@@ -4244,7 +4445,7 @@
 </p:sld>
 </file>
 
-<file path=ppt/slides/slide12.xml><?xml version="1.0" encoding="utf-8"?>
+<file path=ppt/slides/slide13.xml><?xml version="1.0" encoding="utf-8"?>
 <p:sld xmlns:a="http://schemas.openxmlformats.org/drawingml/2006/main" xmlns:r="http://schemas.openxmlformats.org/officeDocument/2006/relationships" xmlns:p="http://schemas.openxmlformats.org/presentationml/2006/main">
   <p:cSld>
     <p:bg>
@@ -4864,7 +5065,7 @@
 </p:sld>
 </file>
 
-<file path=ppt/slides/slide13.xml><?xml version="1.0" encoding="utf-8"?>
+<file path=ppt/slides/slide14.xml><?xml version="1.0" encoding="utf-8"?>
 <p:sld xmlns:a="http://schemas.openxmlformats.org/drawingml/2006/main" xmlns:r="http://schemas.openxmlformats.org/officeDocument/2006/relationships" xmlns:p="http://schemas.openxmlformats.org/presentationml/2006/main">
   <p:cSld>
     <p:spTree>
@@ -4994,7 +5195,7 @@
         </p:nvSpPr>
         <p:spPr>
           <a:xfrm>
-            <a:off x="1285630" y="2703389"/>
+            <a:off x="1285630" y="2703388"/>
             <a:ext cx="1070708" cy="3001107"/>
           </a:xfrm>
           <a:prstGeom prst="rect">
@@ -5180,228 +5381,6 @@
     <p:extLst>
       <p:ext uri="{BB962C8B-B14F-4D97-AF65-F5344CB8AC3E}">
         <p14:creationId xmlns:p14="http://schemas.microsoft.com/office/powerpoint/2010/main" val="3376408839"/>
-      </p:ext>
-    </p:extLst>
-  </p:cSld>
-  <p:clrMapOvr>
-    <a:masterClrMapping/>
-  </p:clrMapOvr>
-</p:sld>
-</file>
-
-<file path=ppt/slides/slide14.xml><?xml version="1.0" encoding="utf-8"?>
-<p:sld xmlns:a="http://schemas.openxmlformats.org/drawingml/2006/main" xmlns:r="http://schemas.openxmlformats.org/officeDocument/2006/relationships" xmlns:p="http://schemas.openxmlformats.org/presentationml/2006/main">
-  <p:cSld>
-    <p:spTree>
-      <p:nvGrpSpPr>
-        <p:cNvPr id="1" name=""/>
-        <p:cNvGrpSpPr/>
-        <p:nvPr/>
-      </p:nvGrpSpPr>
-      <p:grpSpPr>
-        <a:xfrm>
-          <a:off x="0" y="0"/>
-          <a:ext cx="0" cy="0"/>
-          <a:chOff x="0" y="0"/>
-          <a:chExt cx="0" cy="0"/>
-        </a:xfrm>
-      </p:grpSpPr>
-      <p:sp>
-        <p:nvSpPr>
-          <p:cNvPr id="2" name="Title 1">
-            <a:extLst>
-              <a:ext uri="{FF2B5EF4-FFF2-40B4-BE49-F238E27FC236}">
-                <a16:creationId xmlns:a16="http://schemas.microsoft.com/office/drawing/2014/main" id="{5044471A-21F0-471E-84BF-1D978A69E9C0}"/>
-              </a:ext>
-            </a:extLst>
-          </p:cNvPr>
-          <p:cNvSpPr>
-            <a:spLocks noGrp="1"/>
-          </p:cNvSpPr>
-          <p:nvPr>
-            <p:ph type="title"/>
-          </p:nvPr>
-        </p:nvSpPr>
-        <p:spPr/>
-        <p:txBody>
-          <a:bodyPr>
-            <a:normAutofit/>
-          </a:bodyPr>
-          <a:lstStyle/>
-          <a:p>
-            <a:r>
-              <a:rPr lang="hy-AM" sz="3200" dirty="0">
-                <a:solidFill>
-                  <a:srgbClr val="FF0000"/>
-                </a:solidFill>
-              </a:rPr>
-              <a:t>Նախնական պատկերացում </a:t>
-            </a:r>
-            <a:r>
-              <a:rPr lang="en-US" sz="3200" dirty="0">
-                <a:solidFill>
-                  <a:srgbClr val="FF0000"/>
-                </a:solidFill>
-              </a:rPr>
-              <a:t>CCS-</a:t>
-            </a:r>
-            <a:r>
-              <a:rPr lang="hy-AM" sz="3200" dirty="0">
-                <a:solidFill>
-                  <a:srgbClr val="FF0000"/>
-                </a:solidFill>
-              </a:rPr>
-              <a:t>ի մասին</a:t>
-            </a:r>
-            <a:endParaRPr lang="en-US" sz="3200" dirty="0"/>
-          </a:p>
-        </p:txBody>
-      </p:sp>
-      <p:sp>
-        <p:nvSpPr>
-          <p:cNvPr id="3" name="Content Placeholder 2">
-            <a:extLst>
-              <a:ext uri="{FF2B5EF4-FFF2-40B4-BE49-F238E27FC236}">
-                <a16:creationId xmlns:a16="http://schemas.microsoft.com/office/drawing/2014/main" id="{B00AC534-08C5-4410-82C7-4BF2F05EE600}"/>
-              </a:ext>
-            </a:extLst>
-          </p:cNvPr>
-          <p:cNvSpPr>
-            <a:spLocks noGrp="1"/>
-          </p:cNvSpPr>
-          <p:nvPr>
-            <p:ph idx="1"/>
-          </p:nvPr>
-        </p:nvSpPr>
-        <p:spPr/>
-        <p:txBody>
-          <a:bodyPr/>
-          <a:lstStyle/>
-          <a:p>
-            <a:r>
-              <a:rPr lang="en-US" dirty="0"/>
-              <a:t>CSS - </a:t>
-            </a:r>
-            <a:r>
-              <a:rPr lang="en-US" b="1" dirty="0"/>
-              <a:t>C</a:t>
-            </a:r>
-            <a:r>
-              <a:rPr lang="en-US" dirty="0"/>
-              <a:t>ascading </a:t>
-            </a:r>
-            <a:r>
-              <a:rPr lang="en-US" b="1" dirty="0"/>
-              <a:t>S</a:t>
-            </a:r>
-            <a:r>
-              <a:rPr lang="en-US" dirty="0"/>
-              <a:t>tyle </a:t>
-            </a:r>
-            <a:r>
-              <a:rPr lang="en-US" b="1" dirty="0"/>
-              <a:t>S</a:t>
-            </a:r>
-            <a:r>
-              <a:rPr lang="en-US" dirty="0"/>
-              <a:t>heets</a:t>
-            </a:r>
-          </a:p>
-          <a:p>
-            <a:r>
-              <a:rPr lang="en-US" dirty="0"/>
-              <a:t>Styles are going from </a:t>
-            </a:r>
-            <a:r>
-              <a:rPr lang="en-US" dirty="0">
-                <a:solidFill>
-                  <a:srgbClr val="FF0000"/>
-                </a:solidFill>
-              </a:rPr>
-              <a:t>top to bottom</a:t>
-            </a:r>
-          </a:p>
-          <a:p>
-            <a:r>
-              <a:rPr lang="hy-AM" dirty="0"/>
-              <a:t>Կա </a:t>
-            </a:r>
-            <a:r>
-              <a:rPr lang="en-US" dirty="0"/>
-              <a:t>CSS-</a:t>
-            </a:r>
-            <a:r>
-              <a:rPr lang="hy-AM" dirty="0"/>
-              <a:t>ի ներմուծման 3 տարբերակ</a:t>
-            </a:r>
-          </a:p>
-          <a:p>
-            <a:pPr lvl="1"/>
-            <a:r>
-              <a:rPr lang="en-US" dirty="0"/>
-              <a:t>inline</a:t>
-            </a:r>
-          </a:p>
-          <a:p>
-            <a:pPr lvl="1"/>
-            <a:r>
-              <a:rPr lang="en-US" dirty="0"/>
-              <a:t>&lt;style&gt;&lt;/style&gt;</a:t>
-            </a:r>
-            <a:r>
-              <a:rPr lang="hy-AM" dirty="0"/>
-              <a:t> </a:t>
-            </a:r>
-            <a:endParaRPr lang="en-US" dirty="0"/>
-          </a:p>
-          <a:p>
-            <a:pPr lvl="1"/>
-            <a:r>
-              <a:rPr lang="en-US" dirty="0"/>
-              <a:t>external – </a:t>
-            </a:r>
-            <a:r>
-              <a:rPr lang="en-US" dirty="0">
-                <a:solidFill>
-                  <a:srgbClr val="FF0000"/>
-                </a:solidFill>
-              </a:rPr>
-              <a:t>best way</a:t>
-            </a:r>
-          </a:p>
-          <a:p>
-            <a:pPr marL="228600" lvl="1">
-              <a:spcBef>
-                <a:spcPts val="1000"/>
-              </a:spcBef>
-            </a:pPr>
-            <a:r>
-              <a:rPr lang="en-US" sz="2800" dirty="0"/>
-              <a:t>Selector – class/id</a:t>
-            </a:r>
-          </a:p>
-          <a:p>
-            <a:pPr lvl="1"/>
-            <a:endParaRPr lang="en-US" dirty="0">
-              <a:solidFill>
-                <a:srgbClr val="FF0000"/>
-              </a:solidFill>
-            </a:endParaRPr>
-          </a:p>
-          <a:p>
-            <a:pPr lvl="1"/>
-            <a:endParaRPr lang="en-US" dirty="0">
-              <a:solidFill>
-                <a:srgbClr val="FF0000"/>
-              </a:solidFill>
-            </a:endParaRPr>
-          </a:p>
-        </p:txBody>
-      </p:sp>
-    </p:spTree>
-    <p:extLst>
-      <p:ext uri="{BB962C8B-B14F-4D97-AF65-F5344CB8AC3E}">
-        <p14:creationId xmlns:p14="http://schemas.microsoft.com/office/powerpoint/2010/main" val="2333793795"/>
       </p:ext>
     </p:extLst>
   </p:cSld>
@@ -5433,7 +5412,7 @@
           <p:cNvPr id="2" name="Title 1">
             <a:extLst>
               <a:ext uri="{FF2B5EF4-FFF2-40B4-BE49-F238E27FC236}">
-                <a16:creationId xmlns:a16="http://schemas.microsoft.com/office/drawing/2014/main" id="{7949D67E-7153-43A6-8BD2-393790B46A1F}"/>
+                <a16:creationId xmlns:a16="http://schemas.microsoft.com/office/drawing/2014/main" id="{5044471A-21F0-471E-84BF-1D978A69E9C0}"/>
               </a:ext>
             </a:extLst>
           </p:cNvPr>
@@ -5446,64 +5425,184 @@
         </p:nvSpPr>
         <p:spPr/>
         <p:txBody>
+          <a:bodyPr>
+            <a:normAutofit/>
+          </a:bodyPr>
+          <a:lstStyle/>
+          <a:p>
+            <a:r>
+              <a:rPr lang="hy-AM" sz="3200" dirty="0">
+                <a:solidFill>
+                  <a:srgbClr val="FF0000"/>
+                </a:solidFill>
+              </a:rPr>
+              <a:t>Նախնական պատկերացում </a:t>
+            </a:r>
+            <a:r>
+              <a:rPr lang="en-US" sz="3200" dirty="0">
+                <a:solidFill>
+                  <a:srgbClr val="FF0000"/>
+                </a:solidFill>
+              </a:rPr>
+              <a:t>CCS-</a:t>
+            </a:r>
+            <a:r>
+              <a:rPr lang="hy-AM" sz="3200" dirty="0">
+                <a:solidFill>
+                  <a:srgbClr val="FF0000"/>
+                </a:solidFill>
+              </a:rPr>
+              <a:t>ի մասին</a:t>
+            </a:r>
+            <a:endParaRPr lang="en-US" sz="3200" dirty="0"/>
+          </a:p>
+        </p:txBody>
+      </p:sp>
+      <p:sp>
+        <p:nvSpPr>
+          <p:cNvPr id="3" name="Content Placeholder 2">
+            <a:extLst>
+              <a:ext uri="{FF2B5EF4-FFF2-40B4-BE49-F238E27FC236}">
+                <a16:creationId xmlns:a16="http://schemas.microsoft.com/office/drawing/2014/main" id="{B00AC534-08C5-4410-82C7-4BF2F05EE600}"/>
+              </a:ext>
+            </a:extLst>
+          </p:cNvPr>
+          <p:cNvSpPr>
+            <a:spLocks noGrp="1"/>
+          </p:cNvSpPr>
+          <p:nvPr>
+            <p:ph idx="1"/>
+          </p:nvPr>
+        </p:nvSpPr>
+        <p:spPr/>
+        <p:txBody>
           <a:bodyPr/>
           <a:lstStyle/>
           <a:p>
+            <a:r>
+              <a:rPr lang="en-US" dirty="0"/>
+              <a:t>CSS - </a:t>
+            </a:r>
+            <a:r>
+              <a:rPr lang="en-US" b="1" dirty="0"/>
+              <a:t>C</a:t>
+            </a:r>
+            <a:r>
+              <a:rPr lang="en-US" dirty="0"/>
+              <a:t>ascading </a:t>
+            </a:r>
+            <a:r>
+              <a:rPr lang="en-US" b="1" dirty="0"/>
+              <a:t>S</a:t>
+            </a:r>
+            <a:r>
+              <a:rPr lang="en-US" dirty="0"/>
+              <a:t>tyle </a:t>
+            </a:r>
+            <a:r>
+              <a:rPr lang="en-US" b="1" dirty="0"/>
+              <a:t>S</a:t>
+            </a:r>
+            <a:r>
+              <a:rPr lang="en-US" dirty="0"/>
+              <a:t>heets</a:t>
+            </a:r>
+          </a:p>
+          <a:p>
+            <a:r>
+              <a:rPr lang="en-US" dirty="0"/>
+              <a:t>Styles are going from </a:t>
+            </a:r>
             <a:r>
               <a:rPr lang="en-US" dirty="0">
                 <a:solidFill>
                   <a:srgbClr val="FF0000"/>
                 </a:solidFill>
               </a:rPr>
-              <a:t>Bootstrap</a:t>
-            </a:r>
-          </a:p>
-        </p:txBody>
-      </p:sp>
-      <p:sp>
-        <p:nvSpPr>
-          <p:cNvPr id="3" name="Content Placeholder 2">
-            <a:extLst>
-              <a:ext uri="{FF2B5EF4-FFF2-40B4-BE49-F238E27FC236}">
-                <a16:creationId xmlns:a16="http://schemas.microsoft.com/office/drawing/2014/main" id="{F01CC76B-D2C4-470A-AD49-FE958BB385B9}"/>
-              </a:ext>
-            </a:extLst>
-          </p:cNvPr>
-          <p:cNvSpPr>
-            <a:spLocks noGrp="1"/>
-          </p:cNvSpPr>
-          <p:nvPr>
-            <p:ph idx="1"/>
-          </p:nvPr>
-        </p:nvSpPr>
-        <p:spPr/>
-        <p:txBody>
-          <a:bodyPr/>
-          <a:lstStyle/>
-          <a:p>
+              <a:t>top to bottom</a:t>
+            </a:r>
+          </a:p>
+          <a:p>
+            <a:r>
+              <a:rPr lang="hy-AM" dirty="0"/>
+              <a:t>Կա </a:t>
+            </a:r>
             <a:r>
               <a:rPr lang="en-US" dirty="0"/>
-              <a:t>960 Grid</a:t>
-            </a:r>
-          </a:p>
-          <a:p>
+              <a:t>CSS-</a:t>
+            </a:r>
+            <a:r>
+              <a:rPr lang="hy-AM" dirty="0"/>
+              <a:t>ի ներմուծման 3 տարբերակ</a:t>
+            </a:r>
+          </a:p>
+          <a:p>
+            <a:pPr lvl="1"/>
             <a:r>
               <a:rPr lang="en-US" dirty="0"/>
-              <a:t>Flexible style</a:t>
-            </a:r>
-          </a:p>
-          <a:p>
+              <a:t>inline</a:t>
+            </a:r>
+          </a:p>
+          <a:p>
+            <a:pPr lvl="1"/>
             <a:r>
               <a:rPr lang="en-US" dirty="0"/>
-              <a:t>Responsive design</a:t>
-            </a:r>
+              <a:t>&lt;style&gt;&lt;/style&gt;</a:t>
+            </a:r>
+            <a:r>
+              <a:rPr lang="hy-AM" dirty="0"/>
+              <a:t> </a:t>
+            </a:r>
+            <a:endParaRPr lang="en-US" dirty="0"/>
+          </a:p>
+          <a:p>
+            <a:pPr lvl="1"/>
+            <a:r>
+              <a:rPr lang="en-US" dirty="0"/>
+              <a:t>external – </a:t>
+            </a:r>
+            <a:r>
+              <a:rPr lang="en-US" dirty="0">
+                <a:solidFill>
+                  <a:srgbClr val="FF0000"/>
+                </a:solidFill>
+              </a:rPr>
+              <a:t>best way</a:t>
+            </a:r>
+          </a:p>
+          <a:p>
+            <a:pPr marL="228600" lvl="1">
+              <a:spcBef>
+                <a:spcPts val="1000"/>
+              </a:spcBef>
+            </a:pPr>
+            <a:r>
+              <a:rPr lang="en-US" sz="2800" dirty="0"/>
+              <a:t>Selector – class/id</a:t>
+            </a:r>
+          </a:p>
+          <a:p>
+            <a:pPr lvl="1"/>
+            <a:endParaRPr lang="en-US" dirty="0">
+              <a:solidFill>
+                <a:srgbClr val="FF0000"/>
+              </a:solidFill>
+            </a:endParaRPr>
+          </a:p>
+          <a:p>
+            <a:pPr lvl="1"/>
+            <a:endParaRPr lang="en-US" dirty="0">
+              <a:solidFill>
+                <a:srgbClr val="FF0000"/>
+              </a:solidFill>
+            </a:endParaRPr>
           </a:p>
         </p:txBody>
       </p:sp>
     </p:spTree>
     <p:extLst>
       <p:ext uri="{BB962C8B-B14F-4D97-AF65-F5344CB8AC3E}">
-        <p14:creationId xmlns:p14="http://schemas.microsoft.com/office/powerpoint/2010/main" val="132371726"/>
+        <p14:creationId xmlns:p14="http://schemas.microsoft.com/office/powerpoint/2010/main" val="2333793795"/>
       </p:ext>
     </p:extLst>
   </p:cSld>
@@ -5535,6 +5634,108 @@
           <p:cNvPr id="2" name="Title 1">
             <a:extLst>
               <a:ext uri="{FF2B5EF4-FFF2-40B4-BE49-F238E27FC236}">
+                <a16:creationId xmlns:a16="http://schemas.microsoft.com/office/drawing/2014/main" id="{7949D67E-7153-43A6-8BD2-393790B46A1F}"/>
+              </a:ext>
+            </a:extLst>
+          </p:cNvPr>
+          <p:cNvSpPr>
+            <a:spLocks noGrp="1"/>
+          </p:cNvSpPr>
+          <p:nvPr>
+            <p:ph type="title"/>
+          </p:nvPr>
+        </p:nvSpPr>
+        <p:spPr/>
+        <p:txBody>
+          <a:bodyPr/>
+          <a:lstStyle/>
+          <a:p>
+            <a:r>
+              <a:rPr lang="en-US" dirty="0">
+                <a:solidFill>
+                  <a:srgbClr val="FF0000"/>
+                </a:solidFill>
+              </a:rPr>
+              <a:t>Bootstrap</a:t>
+            </a:r>
+          </a:p>
+        </p:txBody>
+      </p:sp>
+      <p:sp>
+        <p:nvSpPr>
+          <p:cNvPr id="3" name="Content Placeholder 2">
+            <a:extLst>
+              <a:ext uri="{FF2B5EF4-FFF2-40B4-BE49-F238E27FC236}">
+                <a16:creationId xmlns:a16="http://schemas.microsoft.com/office/drawing/2014/main" id="{F01CC76B-D2C4-470A-AD49-FE958BB385B9}"/>
+              </a:ext>
+            </a:extLst>
+          </p:cNvPr>
+          <p:cNvSpPr>
+            <a:spLocks noGrp="1"/>
+          </p:cNvSpPr>
+          <p:nvPr>
+            <p:ph idx="1"/>
+          </p:nvPr>
+        </p:nvSpPr>
+        <p:spPr/>
+        <p:txBody>
+          <a:bodyPr/>
+          <a:lstStyle/>
+          <a:p>
+            <a:r>
+              <a:rPr lang="en-US" dirty="0"/>
+              <a:t>960 Grid</a:t>
+            </a:r>
+          </a:p>
+          <a:p>
+            <a:r>
+              <a:rPr lang="en-US" dirty="0"/>
+              <a:t>Flexible style</a:t>
+            </a:r>
+          </a:p>
+          <a:p>
+            <a:r>
+              <a:rPr lang="en-US" dirty="0"/>
+              <a:t>Responsive design</a:t>
+            </a:r>
+          </a:p>
+        </p:txBody>
+      </p:sp>
+    </p:spTree>
+    <p:extLst>
+      <p:ext uri="{BB962C8B-B14F-4D97-AF65-F5344CB8AC3E}">
+        <p14:creationId xmlns:p14="http://schemas.microsoft.com/office/powerpoint/2010/main" val="132371726"/>
+      </p:ext>
+    </p:extLst>
+  </p:cSld>
+  <p:clrMapOvr>
+    <a:masterClrMapping/>
+  </p:clrMapOvr>
+</p:sld>
+</file>
+
+<file path=ppt/slides/slide17.xml><?xml version="1.0" encoding="utf-8"?>
+<p:sld xmlns:a="http://schemas.openxmlformats.org/drawingml/2006/main" xmlns:r="http://schemas.openxmlformats.org/officeDocument/2006/relationships" xmlns:p="http://schemas.openxmlformats.org/presentationml/2006/main">
+  <p:cSld>
+    <p:spTree>
+      <p:nvGrpSpPr>
+        <p:cNvPr id="1" name=""/>
+        <p:cNvGrpSpPr/>
+        <p:nvPr/>
+      </p:nvGrpSpPr>
+      <p:grpSpPr>
+        <a:xfrm>
+          <a:off x="0" y="0"/>
+          <a:ext cx="0" cy="0"/>
+          <a:chOff x="0" y="0"/>
+          <a:chExt cx="0" cy="0"/>
+        </a:xfrm>
+      </p:grpSpPr>
+      <p:sp>
+        <p:nvSpPr>
+          <p:cNvPr id="2" name="Title 1">
+            <a:extLst>
+              <a:ext uri="{FF2B5EF4-FFF2-40B4-BE49-F238E27FC236}">
                 <a16:creationId xmlns:a16="http://schemas.microsoft.com/office/drawing/2014/main" id="{881CE79B-0D8F-46CE-84BE-5446DFC78CEF}"/>
               </a:ext>
             </a:extLst>
@@ -5593,11 +5794,28 @@
               </a:rPr>
               <a:t>ում</a:t>
             </a:r>
-            <a:endParaRPr lang="en-US" sz="2800" dirty="0">
-              <a:solidFill>
-                <a:srgbClr val="FF0000"/>
-              </a:solidFill>
-            </a:endParaRPr>
+            <a:br>
+              <a:rPr lang="en-US" sz="2800" dirty="0">
+                <a:solidFill>
+                  <a:srgbClr val="FF0000"/>
+                </a:solidFill>
+              </a:rPr>
+            </a:br>
+            <a:br>
+              <a:rPr lang="en-US" sz="2800" dirty="0">
+                <a:solidFill>
+                  <a:srgbClr val="FF0000"/>
+                </a:solidFill>
+              </a:rPr>
+            </a:br>
+            <a:r>
+              <a:rPr lang="en-US" sz="2800" dirty="0">
+                <a:solidFill>
+                  <a:srgbClr val="FF0000"/>
+                </a:solidFill>
+              </a:rPr>
+              <a:t>loose type programming languages</a:t>
+            </a:r>
           </a:p>
         </p:txBody>
       </p:sp>
@@ -5617,7 +5835,12 @@
             <p:ph sz="half" idx="1"/>
           </p:nvPr>
         </p:nvSpPr>
-        <p:spPr/>
+        <p:spPr>
+          <a:xfrm>
+            <a:off x="838200" y="1825625"/>
+            <a:ext cx="5181600" cy="4351338"/>
+          </a:xfrm>
+        </p:spPr>
         <p:txBody>
           <a:bodyPr>
             <a:normAutofit fontScale="62500" lnSpcReduction="20000"/>
@@ -6084,6 +6307,244 @@
           </a:p>
           <a:p>
             <a:endParaRPr lang="en-US" dirty="0"/>
+          </a:p>
+        </p:txBody>
+      </p:sp>
+      <p:sp>
+        <p:nvSpPr>
+          <p:cNvPr id="5" name="Rectangle 4">
+            <a:extLst>
+              <a:ext uri="{FF2B5EF4-FFF2-40B4-BE49-F238E27FC236}">
+                <a16:creationId xmlns:a16="http://schemas.microsoft.com/office/drawing/2014/main" id="{5894D556-4451-41E7-A399-6EDB1C1C4B0E}"/>
+              </a:ext>
+            </a:extLst>
+          </p:cNvPr>
+          <p:cNvSpPr/>
+          <p:nvPr/>
+        </p:nvSpPr>
+        <p:spPr>
+          <a:xfrm>
+            <a:off x="9339385" y="3616570"/>
+            <a:ext cx="765907" cy="502138"/>
+          </a:xfrm>
+          <a:prstGeom prst="rect">
+            <a:avLst/>
+          </a:prstGeom>
+        </p:spPr>
+        <p:style>
+          <a:lnRef idx="2">
+            <a:schemeClr val="accent1">
+              <a:shade val="50000"/>
+            </a:schemeClr>
+          </a:lnRef>
+          <a:fillRef idx="1">
+            <a:schemeClr val="accent1"/>
+          </a:fillRef>
+          <a:effectRef idx="0">
+            <a:schemeClr val="accent1"/>
+          </a:effectRef>
+          <a:fontRef idx="minor">
+            <a:schemeClr val="lt1"/>
+          </a:fontRef>
+        </p:style>
+        <p:txBody>
+          <a:bodyPr rtlCol="0" anchor="ctr"/>
+          <a:lstStyle/>
+          <a:p>
+            <a:pPr algn="ctr"/>
+            <a:r>
+              <a:rPr lang="en-US" dirty="0"/>
+              <a:t>Home</a:t>
+            </a:r>
+          </a:p>
+        </p:txBody>
+      </p:sp>
+      <p:cxnSp>
+        <p:nvCxnSpPr>
+          <p:cNvPr id="7" name="Straight Arrow Connector 6">
+            <a:extLst>
+              <a:ext uri="{FF2B5EF4-FFF2-40B4-BE49-F238E27FC236}">
+                <a16:creationId xmlns:a16="http://schemas.microsoft.com/office/drawing/2014/main" id="{AB3BE3B9-8634-46E0-AA08-F4443EEB1AF5}"/>
+              </a:ext>
+            </a:extLst>
+          </p:cNvPr>
+          <p:cNvCxnSpPr>
+            <a:cxnSpLocks/>
+            <a:endCxn id="5" idx="2"/>
+          </p:cNvCxnSpPr>
+          <p:nvPr/>
+        </p:nvCxnSpPr>
+        <p:spPr>
+          <a:xfrm flipH="1" flipV="1">
+            <a:off x="9722339" y="4118708"/>
+            <a:ext cx="109416" cy="828430"/>
+          </a:xfrm>
+          <a:prstGeom prst="straightConnector1">
+            <a:avLst/>
+          </a:prstGeom>
+          <a:ln>
+            <a:tailEnd type="triangle"/>
+          </a:ln>
+        </p:spPr>
+        <p:style>
+          <a:lnRef idx="1">
+            <a:schemeClr val="accent1"/>
+          </a:lnRef>
+          <a:fillRef idx="0">
+            <a:schemeClr val="accent1"/>
+          </a:fillRef>
+          <a:effectRef idx="0">
+            <a:schemeClr val="accent1"/>
+          </a:effectRef>
+          <a:fontRef idx="minor">
+            <a:schemeClr val="tx1"/>
+          </a:fontRef>
+        </p:style>
+      </p:cxnSp>
+      <p:sp>
+        <p:nvSpPr>
+          <p:cNvPr id="8" name="Rectangle 7">
+            <a:extLst>
+              <a:ext uri="{FF2B5EF4-FFF2-40B4-BE49-F238E27FC236}">
+                <a16:creationId xmlns:a16="http://schemas.microsoft.com/office/drawing/2014/main" id="{A3C21AB7-2BB5-4CD5-A2A8-D7D93F0D1644}"/>
+              </a:ext>
+            </a:extLst>
+          </p:cNvPr>
+          <p:cNvSpPr/>
+          <p:nvPr/>
+        </p:nvSpPr>
+        <p:spPr>
+          <a:xfrm>
+            <a:off x="9722338" y="4947138"/>
+            <a:ext cx="382953" cy="356456"/>
+          </a:xfrm>
+          <a:prstGeom prst="rect">
+            <a:avLst/>
+          </a:prstGeom>
+        </p:spPr>
+        <p:style>
+          <a:lnRef idx="2">
+            <a:schemeClr val="accent1">
+              <a:shade val="50000"/>
+            </a:schemeClr>
+          </a:lnRef>
+          <a:fillRef idx="1">
+            <a:schemeClr val="accent1"/>
+          </a:fillRef>
+          <a:effectRef idx="0">
+            <a:schemeClr val="accent1"/>
+          </a:effectRef>
+          <a:fontRef idx="minor">
+            <a:schemeClr val="lt1"/>
+          </a:fontRef>
+        </p:style>
+        <p:txBody>
+          <a:bodyPr rtlCol="0" anchor="ctr"/>
+          <a:lstStyle/>
+          <a:p>
+            <a:pPr algn="ctr"/>
+            <a:r>
+              <a:rPr lang="en-US" dirty="0"/>
+              <a:t>a</a:t>
+            </a:r>
+          </a:p>
+        </p:txBody>
+      </p:sp>
+      <p:cxnSp>
+        <p:nvCxnSpPr>
+          <p:cNvPr id="10" name="Straight Arrow Connector 9">
+            <a:extLst>
+              <a:ext uri="{FF2B5EF4-FFF2-40B4-BE49-F238E27FC236}">
+                <a16:creationId xmlns:a16="http://schemas.microsoft.com/office/drawing/2014/main" id="{CE836664-E765-45CB-959B-7A62321374F3}"/>
+              </a:ext>
+            </a:extLst>
+          </p:cNvPr>
+          <p:cNvCxnSpPr>
+            <a:cxnSpLocks/>
+            <a:stCxn id="5" idx="3"/>
+          </p:cNvCxnSpPr>
+          <p:nvPr/>
+        </p:nvCxnSpPr>
+        <p:spPr>
+          <a:xfrm flipV="1">
+            <a:off x="10105292" y="3673233"/>
+            <a:ext cx="508000" cy="194406"/>
+          </a:xfrm>
+          <a:prstGeom prst="straightConnector1">
+            <a:avLst/>
+          </a:prstGeom>
+          <a:ln>
+            <a:tailEnd type="triangle"/>
+          </a:ln>
+        </p:spPr>
+        <p:style>
+          <a:lnRef idx="1">
+            <a:schemeClr val="accent1"/>
+          </a:lnRef>
+          <a:fillRef idx="0">
+            <a:schemeClr val="accent1"/>
+          </a:fillRef>
+          <a:effectRef idx="0">
+            <a:schemeClr val="accent1"/>
+          </a:effectRef>
+          <a:fontRef idx="minor">
+            <a:schemeClr val="tx1"/>
+          </a:fontRef>
+        </p:style>
+      </p:cxnSp>
+      <p:sp>
+        <p:nvSpPr>
+          <p:cNvPr id="11" name="Rectangle 10">
+            <a:extLst>
+              <a:ext uri="{FF2B5EF4-FFF2-40B4-BE49-F238E27FC236}">
+                <a16:creationId xmlns:a16="http://schemas.microsoft.com/office/drawing/2014/main" id="{1726B9AE-9490-486B-9120-C14AC661C897}"/>
+              </a:ext>
+            </a:extLst>
+          </p:cNvPr>
+          <p:cNvSpPr/>
+          <p:nvPr/>
+        </p:nvSpPr>
+        <p:spPr>
+          <a:xfrm>
+            <a:off x="10683631" y="3429000"/>
+            <a:ext cx="1016000" cy="502138"/>
+          </a:xfrm>
+          <a:prstGeom prst="rect">
+            <a:avLst/>
+          </a:prstGeom>
+        </p:spPr>
+        <p:style>
+          <a:lnRef idx="2">
+            <a:schemeClr val="accent1">
+              <a:shade val="50000"/>
+            </a:schemeClr>
+          </a:lnRef>
+          <a:fillRef idx="1">
+            <a:schemeClr val="accent1"/>
+          </a:fillRef>
+          <a:effectRef idx="0">
+            <a:schemeClr val="accent1"/>
+          </a:effectRef>
+          <a:fontRef idx="minor">
+            <a:schemeClr val="lt1"/>
+          </a:fontRef>
+        </p:style>
+        <p:txBody>
+          <a:bodyPr rtlCol="0" anchor="ctr"/>
+          <a:lstStyle/>
+          <a:p>
+            <a:pPr algn="ctr"/>
+            <a:r>
+              <a:rPr lang="en-US" dirty="0"/>
+              <a:t>LIFO</a:t>
+            </a:r>
+          </a:p>
+          <a:p>
+            <a:pPr algn="ctr"/>
+            <a:r>
+              <a:rPr lang="en-US" dirty="0"/>
+              <a:t>Stack</a:t>
+            </a:r>
           </a:p>
         </p:txBody>
       </p:sp>
@@ -6100,7 +6561,7 @@
 </p:sld>
 </file>
 
-<file path=ppt/slides/slide17.xml><?xml version="1.0" encoding="utf-8"?>
+<file path=ppt/slides/slide18.xml><?xml version="1.0" encoding="utf-8"?>
 <p:sld xmlns:a="http://schemas.openxmlformats.org/drawingml/2006/main" xmlns:r="http://schemas.openxmlformats.org/officeDocument/2006/relationships" xmlns:p="http://schemas.openxmlformats.org/presentationml/2006/main">
   <p:cSld>
     <p:spTree>
@@ -6454,7 +6915,7 @@
 </p:sld>
 </file>
 
-<file path=ppt/slides/slide18.xml><?xml version="1.0" encoding="utf-8"?>
+<file path=ppt/slides/slide19.xml><?xml version="1.0" encoding="utf-8"?>
 <p:sld xmlns:a="http://schemas.openxmlformats.org/drawingml/2006/main" xmlns:r="http://schemas.openxmlformats.org/officeDocument/2006/relationships" xmlns:p="http://schemas.openxmlformats.org/presentationml/2006/main">
   <p:cSld>
     <p:spTree>
@@ -8726,20 +9187,27 @@
             <p:ph type="title"/>
           </p:nvPr>
         </p:nvSpPr>
-        <p:spPr/>
-        <p:txBody>
-          <a:bodyPr/>
-          <a:lstStyle/>
-          <a:p>
-            <a:r>
-              <a:rPr lang="hy-AM" dirty="0">
+        <p:spPr>
+          <a:xfrm>
+            <a:off x="838200" y="365125"/>
+            <a:ext cx="10515600" cy="542583"/>
+          </a:xfrm>
+        </p:spPr>
+        <p:txBody>
+          <a:bodyPr>
+            <a:normAutofit/>
+          </a:bodyPr>
+          <a:lstStyle/>
+          <a:p>
+            <a:r>
+              <a:rPr lang="hy-AM" sz="2800" dirty="0">
                 <a:solidFill>
                   <a:srgbClr val="FF0000"/>
                 </a:solidFill>
               </a:rPr>
               <a:t>Ֆորմաներ</a:t>
             </a:r>
-            <a:endParaRPr lang="en-US" dirty="0">
+            <a:endParaRPr lang="en-US" sz="2800" dirty="0">
               <a:solidFill>
                 <a:srgbClr val="FF0000"/>
               </a:solidFill>
@@ -8763,10 +9231,15 @@
             <p:ph idx="1"/>
           </p:nvPr>
         </p:nvSpPr>
-        <p:spPr/>
+        <p:spPr>
+          <a:xfrm>
+            <a:off x="838200" y="1062892"/>
+            <a:ext cx="10515600" cy="5114071"/>
+          </a:xfrm>
+        </p:spPr>
         <p:txBody>
           <a:bodyPr>
-            <a:normAutofit/>
+            <a:normAutofit lnSpcReduction="10000"/>
           </a:bodyPr>
           <a:lstStyle/>
           <a:p>
@@ -8798,26 +9271,59 @@
               <a:t>         </a:t>
             </a:r>
             <a:r>
+              <a:rPr lang="en-US" sz="1600" dirty="0">
+                <a:solidFill>
+                  <a:srgbClr val="FF0000"/>
+                </a:solidFill>
+              </a:rPr>
+              <a:t>type = “text”</a:t>
+            </a:r>
+          </a:p>
+          <a:p>
+            <a:pPr marL="0" indent="0">
+              <a:buNone/>
+            </a:pPr>
+            <a:r>
               <a:rPr lang="en-US" sz="1600" dirty="0"/>
-              <a:t>type = “text”</a:t>
+              <a:t>	</a:t>
             </a:r>
           </a:p>
           <a:p>
             <a:pPr marL="0" indent="0">
               <a:buNone/>
             </a:pPr>
+            <a:endParaRPr lang="en-US" sz="1600" dirty="0"/>
+          </a:p>
+          <a:p>
+            <a:pPr marL="0" indent="0">
+              <a:buNone/>
+            </a:pPr>
             <a:r>
               <a:rPr lang="en-US" sz="1600" dirty="0"/>
-              <a:t>           type = “radio”</a:t>
+              <a:t>           </a:t>
+            </a:r>
+            <a:r>
+              <a:rPr lang="en-US" sz="1600" dirty="0">
+                <a:solidFill>
+                  <a:srgbClr val="FF0000"/>
+                </a:solidFill>
+              </a:rPr>
+              <a:t>type = “password”</a:t>
             </a:r>
           </a:p>
           <a:p>
             <a:pPr marL="0" indent="0">
               <a:buNone/>
             </a:pPr>
+            <a:endParaRPr lang="en-US" sz="1600" dirty="0"/>
+          </a:p>
+          <a:p>
+            <a:pPr marL="0" indent="0">
+              <a:buNone/>
+            </a:pPr>
             <a:r>
               <a:rPr lang="en-US" sz="1600" dirty="0"/>
-              <a:t>	type=“checkbox”</a:t>
+              <a:t>           </a:t>
             </a:r>
           </a:p>
           <a:p>
@@ -8826,33 +9332,286 @@
             </a:pPr>
             <a:r>
               <a:rPr lang="en-US" sz="1600" dirty="0"/>
-              <a:t>           type=“checkbox”</a:t>
+              <a:t>           </a:t>
+            </a:r>
+            <a:r>
+              <a:rPr lang="en-US" sz="1600" dirty="0">
+                <a:solidFill>
+                  <a:srgbClr val="FF0000"/>
+                </a:solidFill>
+              </a:rPr>
+              <a:t>type = “hidden”</a:t>
             </a:r>
           </a:p>
           <a:p>
             <a:pPr marL="0" indent="0">
               <a:buNone/>
             </a:pPr>
+            <a:endParaRPr lang="en-US" sz="1600" dirty="0"/>
+          </a:p>
+          <a:p>
+            <a:pPr marL="0" indent="0">
+              <a:buNone/>
+            </a:pPr>
             <a:r>
               <a:rPr lang="en-US" sz="1600" dirty="0"/>
-              <a:t>           type=“submit”</a:t>
-            </a:r>
-          </a:p>
-          <a:p>
-            <a:r>
-              <a:rPr lang="en-US" sz="1600" dirty="0" err="1"/>
-              <a:t>textarea</a:t>
-            </a:r>
-            <a:endParaRPr lang="en-US" sz="1600" dirty="0"/>
-          </a:p>
-          <a:p>
+              <a:t>           </a:t>
+            </a:r>
+            <a:r>
+              <a:rPr lang="en-US" sz="1600" dirty="0">
+                <a:solidFill>
+                  <a:srgbClr val="FF0000"/>
+                </a:solidFill>
+              </a:rPr>
+              <a:t>type = “radio”</a:t>
+            </a:r>
             <a:r>
               <a:rPr lang="en-US" sz="1600" dirty="0"/>
-              <a:t>select</a:t>
-            </a:r>
-          </a:p>
-        </p:txBody>
-      </p:sp>
+              <a:t>               </a:t>
+            </a:r>
+          </a:p>
+          <a:p>
+            <a:pPr marL="0" indent="0">
+              <a:buNone/>
+            </a:pPr>
+            <a:r>
+              <a:rPr lang="en-US" sz="1600" dirty="0"/>
+              <a:t>           </a:t>
+            </a:r>
+          </a:p>
+          <a:p>
+            <a:pPr marL="0" indent="0">
+              <a:buNone/>
+            </a:pPr>
+            <a:r>
+              <a:rPr lang="en-US" sz="1600" dirty="0"/>
+              <a:t>          </a:t>
+            </a:r>
+            <a:r>
+              <a:rPr lang="en-US" sz="1600" dirty="0">
+                <a:solidFill>
+                  <a:srgbClr val="FF0000"/>
+                </a:solidFill>
+              </a:rPr>
+              <a:t>type=“checkbox”</a:t>
+            </a:r>
+            <a:r>
+              <a:rPr lang="en-US" sz="1600" dirty="0"/>
+              <a:t>  </a:t>
+            </a:r>
+          </a:p>
+          <a:p>
+            <a:pPr marL="0" indent="0">
+              <a:buNone/>
+            </a:pPr>
+            <a:r>
+              <a:rPr lang="en-US" sz="1600" dirty="0"/>
+              <a:t>           </a:t>
+            </a:r>
+          </a:p>
+          <a:p>
+            <a:pPr marL="0" indent="0">
+              <a:buNone/>
+            </a:pPr>
+            <a:r>
+              <a:rPr lang="en-US" sz="1600" dirty="0"/>
+              <a:t>         </a:t>
+            </a:r>
+            <a:r>
+              <a:rPr lang="en-US" sz="1600" dirty="0">
+                <a:solidFill>
+                  <a:srgbClr val="FF0000"/>
+                </a:solidFill>
+              </a:rPr>
+              <a:t>type=“submit”</a:t>
+            </a:r>
+            <a:r>
+              <a:rPr lang="en-US" sz="1600" dirty="0"/>
+              <a:t>     </a:t>
+            </a:r>
+          </a:p>
+        </p:txBody>
+      </p:sp>
+      <p:pic>
+        <p:nvPicPr>
+          <p:cNvPr id="4" name="Picture 3">
+            <a:extLst>
+              <a:ext uri="{FF2B5EF4-FFF2-40B4-BE49-F238E27FC236}">
+                <a16:creationId xmlns:a16="http://schemas.microsoft.com/office/drawing/2014/main" id="{84D88B1E-B68D-47A6-B126-ADDED0C9E065}"/>
+              </a:ext>
+            </a:extLst>
+          </p:cNvPr>
+          <p:cNvPicPr>
+            <a:picLocks noChangeAspect="1"/>
+          </p:cNvPicPr>
+          <p:nvPr/>
+        </p:nvPicPr>
+        <p:blipFill>
+          <a:blip r:embed="rId2"/>
+          <a:stretch>
+            <a:fillRect/>
+          </a:stretch>
+        </p:blipFill>
+        <p:spPr>
+          <a:xfrm>
+            <a:off x="2822506" y="1642811"/>
+            <a:ext cx="6076950" cy="723900"/>
+          </a:xfrm>
+          <a:prstGeom prst="rect">
+            <a:avLst/>
+          </a:prstGeom>
+        </p:spPr>
+      </p:pic>
+      <p:pic>
+        <p:nvPicPr>
+          <p:cNvPr id="5" name="Picture 4">
+            <a:extLst>
+              <a:ext uri="{FF2B5EF4-FFF2-40B4-BE49-F238E27FC236}">
+                <a16:creationId xmlns:a16="http://schemas.microsoft.com/office/drawing/2014/main" id="{85C01A3E-A8D7-4FA3-8746-5D4106ADF860}"/>
+              </a:ext>
+            </a:extLst>
+          </p:cNvPr>
+          <p:cNvPicPr>
+            <a:picLocks noChangeAspect="1"/>
+          </p:cNvPicPr>
+          <p:nvPr/>
+        </p:nvPicPr>
+        <p:blipFill>
+          <a:blip r:embed="rId3"/>
+          <a:stretch>
+            <a:fillRect/>
+          </a:stretch>
+        </p:blipFill>
+        <p:spPr>
+          <a:xfrm>
+            <a:off x="3298367" y="2521895"/>
+            <a:ext cx="3657600" cy="800100"/>
+          </a:xfrm>
+          <a:prstGeom prst="rect">
+            <a:avLst/>
+          </a:prstGeom>
+        </p:spPr>
+      </p:pic>
+      <p:pic>
+        <p:nvPicPr>
+          <p:cNvPr id="6" name="Picture 5">
+            <a:extLst>
+              <a:ext uri="{FF2B5EF4-FFF2-40B4-BE49-F238E27FC236}">
+                <a16:creationId xmlns:a16="http://schemas.microsoft.com/office/drawing/2014/main" id="{57DDEF27-1A3A-4F54-8296-EFEB1C257593}"/>
+              </a:ext>
+            </a:extLst>
+          </p:cNvPr>
+          <p:cNvPicPr>
+            <a:picLocks noChangeAspect="1"/>
+          </p:cNvPicPr>
+          <p:nvPr/>
+        </p:nvPicPr>
+        <p:blipFill>
+          <a:blip r:embed="rId4"/>
+          <a:stretch>
+            <a:fillRect/>
+          </a:stretch>
+        </p:blipFill>
+        <p:spPr>
+          <a:xfrm>
+            <a:off x="3298367" y="3600662"/>
+            <a:ext cx="4076700" cy="419100"/>
+          </a:xfrm>
+          <a:prstGeom prst="rect">
+            <a:avLst/>
+          </a:prstGeom>
+        </p:spPr>
+      </p:pic>
+      <p:pic>
+        <p:nvPicPr>
+          <p:cNvPr id="7" name="Picture 6">
+            <a:extLst>
+              <a:ext uri="{FF2B5EF4-FFF2-40B4-BE49-F238E27FC236}">
+                <a16:creationId xmlns:a16="http://schemas.microsoft.com/office/drawing/2014/main" id="{AD769163-CEB3-422B-A0E9-0014A939ADC7}"/>
+              </a:ext>
+            </a:extLst>
+          </p:cNvPr>
+          <p:cNvPicPr>
+            <a:picLocks noChangeAspect="1"/>
+          </p:cNvPicPr>
+          <p:nvPr/>
+        </p:nvPicPr>
+        <p:blipFill>
+          <a:blip r:embed="rId5"/>
+          <a:stretch>
+            <a:fillRect/>
+          </a:stretch>
+        </p:blipFill>
+        <p:spPr>
+          <a:xfrm>
+            <a:off x="3167062" y="4233033"/>
+            <a:ext cx="5857875" cy="419100"/>
+          </a:xfrm>
+          <a:prstGeom prst="rect">
+            <a:avLst/>
+          </a:prstGeom>
+        </p:spPr>
+      </p:pic>
+      <p:pic>
+        <p:nvPicPr>
+          <p:cNvPr id="8" name="Picture 7">
+            <a:extLst>
+              <a:ext uri="{FF2B5EF4-FFF2-40B4-BE49-F238E27FC236}">
+                <a16:creationId xmlns:a16="http://schemas.microsoft.com/office/drawing/2014/main" id="{BB58A376-2BCF-401D-B7B3-EAE7E0B9C76F}"/>
+              </a:ext>
+            </a:extLst>
+          </p:cNvPr>
+          <p:cNvPicPr>
+            <a:picLocks noChangeAspect="1"/>
+          </p:cNvPicPr>
+          <p:nvPr/>
+        </p:nvPicPr>
+        <p:blipFill>
+          <a:blip r:embed="rId6"/>
+          <a:stretch>
+            <a:fillRect/>
+          </a:stretch>
+        </p:blipFill>
+        <p:spPr>
+          <a:xfrm>
+            <a:off x="2985476" y="4783849"/>
+            <a:ext cx="7514179" cy="466725"/>
+          </a:xfrm>
+          <a:prstGeom prst="rect">
+            <a:avLst/>
+          </a:prstGeom>
+        </p:spPr>
+      </p:pic>
+      <p:pic>
+        <p:nvPicPr>
+          <p:cNvPr id="9" name="Picture 8">
+            <a:extLst>
+              <a:ext uri="{FF2B5EF4-FFF2-40B4-BE49-F238E27FC236}">
+                <a16:creationId xmlns:a16="http://schemas.microsoft.com/office/drawing/2014/main" id="{75065086-5BB1-4BD9-92D4-FDD7C8BE065B}"/>
+              </a:ext>
+            </a:extLst>
+          </p:cNvPr>
+          <p:cNvPicPr>
+            <a:picLocks noChangeAspect="1"/>
+          </p:cNvPicPr>
+          <p:nvPr/>
+        </p:nvPicPr>
+        <p:blipFill>
+          <a:blip r:embed="rId7"/>
+          <a:stretch>
+            <a:fillRect/>
+          </a:stretch>
+        </p:blipFill>
+        <p:spPr>
+          <a:xfrm>
+            <a:off x="3060089" y="5310076"/>
+            <a:ext cx="5743575" cy="904875"/>
+          </a:xfrm>
+          <a:prstGeom prst="rect">
+            <a:avLst/>
+          </a:prstGeom>
+        </p:spPr>
+      </p:pic>
     </p:spTree>
     <p:extLst>
       <p:ext uri="{BB962C8B-B14F-4D97-AF65-F5344CB8AC3E}">
@@ -8869,14 +9628,6 @@
 <file path=ppt/slides/slide9.xml><?xml version="1.0" encoding="utf-8"?>
 <p:sld xmlns:a="http://schemas.openxmlformats.org/drawingml/2006/main" xmlns:r="http://schemas.openxmlformats.org/officeDocument/2006/relationships" xmlns:p="http://schemas.openxmlformats.org/presentationml/2006/main">
   <p:cSld>
-    <p:bg>
-      <p:bgPr>
-        <a:solidFill>
-          <a:schemeClr val="bg1"/>
-        </a:solidFill>
-        <a:effectLst/>
-      </p:bgPr>
-    </p:bg>
     <p:spTree>
       <p:nvGrpSpPr>
         <p:cNvPr id="1" name=""/>
@@ -8893,136 +9644,119 @@
       </p:grpSpPr>
       <p:sp>
         <p:nvSpPr>
-          <p:cNvPr id="11" name="Rectangle 10">
-            <a:extLst>
-              <a:ext uri="{FF2B5EF4-FFF2-40B4-BE49-F238E27FC236}">
-                <a16:creationId xmlns:a16="http://schemas.microsoft.com/office/drawing/2014/main" id="{32BC26D8-82FB-445E-AA49-62A77D7C1EE0}"/>
-              </a:ext>
-              <a:ext uri="{C183D7F6-B498-43B3-948B-1728B52AA6E4}">
-                <adec:decorative xmlns:adec="http://schemas.microsoft.com/office/drawing/2017/decorative" val="1"/>
-              </a:ext>
-            </a:extLst>
-          </p:cNvPr>
-          <p:cNvSpPr>
-            <a:spLocks noGrp="1" noRot="1" noChangeAspect="1" noMove="1" noResize="1" noEditPoints="1" noAdjustHandles="1" noChangeArrowheads="1" noChangeShapeType="1" noTextEdit="1"/>
-          </p:cNvSpPr>
-          <p:nvPr>
-            <p:extLst>
-              <p:ext uri="{386F3935-93C4-4BCD-93E2-E3B085C9AB24}">
-                <p16:designElem xmlns:p16="http://schemas.microsoft.com/office/powerpoint/2015/main" val="1"/>
-              </p:ext>
-            </p:extLst>
+          <p:cNvPr id="2" name="Title 1">
+            <a:extLst>
+              <a:ext uri="{FF2B5EF4-FFF2-40B4-BE49-F238E27FC236}">
+                <a16:creationId xmlns:a16="http://schemas.microsoft.com/office/drawing/2014/main" id="{5C37CA63-1B00-4AEE-AD05-1B4CF576EFAC}"/>
+              </a:ext>
+            </a:extLst>
+          </p:cNvPr>
+          <p:cNvSpPr>
+            <a:spLocks noGrp="1"/>
+          </p:cNvSpPr>
+          <p:nvPr>
+            <p:ph type="title"/>
           </p:nvPr>
         </p:nvSpPr>
         <p:spPr>
           <a:xfrm>
-            <a:off x="0" y="0"/>
-            <a:ext cx="12192000" cy="6858000"/>
+            <a:off x="838200" y="365126"/>
+            <a:ext cx="10515600" cy="801202"/>
           </a:xfrm>
-          <a:prstGeom prst="rect">
-            <a:avLst/>
-          </a:prstGeom>
-          <a:solidFill>
-            <a:srgbClr val="866E4B"/>
-          </a:solidFill>
-          <a:ln>
-            <a:noFill/>
-          </a:ln>
         </p:spPr>
-        <p:style>
-          <a:lnRef idx="2">
-            <a:schemeClr val="accent1">
-              <a:shade val="50000"/>
-            </a:schemeClr>
-          </a:lnRef>
-          <a:fillRef idx="1">
-            <a:schemeClr val="accent1"/>
-          </a:fillRef>
-          <a:effectRef idx="0">
-            <a:schemeClr val="accent1"/>
-          </a:effectRef>
-          <a:fontRef idx="minor">
-            <a:schemeClr val="lt1"/>
-          </a:fontRef>
-        </p:style>
-        <p:txBody>
-          <a:bodyPr rtlCol="0" anchor="ctr"/>
-          <a:lstStyle/>
-          <a:p>
-            <a:pPr algn="ctr"/>
-            <a:endParaRPr lang="en-US"/>
-          </a:p>
-        </p:txBody>
-      </p:sp>
-      <p:sp>
-        <p:nvSpPr>
-          <p:cNvPr id="13" name="Rectangle 12">
-            <a:extLst>
-              <a:ext uri="{FF2B5EF4-FFF2-40B4-BE49-F238E27FC236}">
-                <a16:creationId xmlns:a16="http://schemas.microsoft.com/office/drawing/2014/main" id="{CB44330D-EA18-4254-AA95-EB49948539B8}"/>
-              </a:ext>
-              <a:ext uri="{C183D7F6-B498-43B3-948B-1728B52AA6E4}">
-                <adec:decorative xmlns:adec="http://schemas.microsoft.com/office/drawing/2017/decorative" val="1"/>
-              </a:ext>
-            </a:extLst>
-          </p:cNvPr>
-          <p:cNvSpPr>
-            <a:spLocks noGrp="1" noRot="1" noChangeAspect="1" noMove="1" noResize="1" noEditPoints="1" noAdjustHandles="1" noChangeArrowheads="1" noChangeShapeType="1" noTextEdit="1"/>
-          </p:cNvSpPr>
-          <p:nvPr>
-            <p:extLst>
-              <p:ext uri="{386F3935-93C4-4BCD-93E2-E3B085C9AB24}">
-                <p16:designElem xmlns:p16="http://schemas.microsoft.com/office/powerpoint/2015/main" val="1"/>
-              </p:ext>
-            </p:extLst>
+        <p:txBody>
+          <a:bodyPr/>
+          <a:lstStyle/>
+          <a:p>
+            <a:r>
+              <a:rPr lang="hy-AM" dirty="0">
+                <a:solidFill>
+                  <a:srgbClr val="FF0000"/>
+                </a:solidFill>
+              </a:rPr>
+              <a:t>Ֆորմաներ</a:t>
+            </a:r>
+            <a:endParaRPr lang="en-US" dirty="0"/>
+          </a:p>
+        </p:txBody>
+      </p:sp>
+      <p:sp>
+        <p:nvSpPr>
+          <p:cNvPr id="3" name="Content Placeholder 2">
+            <a:extLst>
+              <a:ext uri="{FF2B5EF4-FFF2-40B4-BE49-F238E27FC236}">
+                <a16:creationId xmlns:a16="http://schemas.microsoft.com/office/drawing/2014/main" id="{6A9AE971-C229-4030-B646-601980A8E3F4}"/>
+              </a:ext>
+            </a:extLst>
+          </p:cNvPr>
+          <p:cNvSpPr>
+            <a:spLocks noGrp="1"/>
+          </p:cNvSpPr>
+          <p:nvPr>
+            <p:ph idx="1"/>
           </p:nvPr>
         </p:nvSpPr>
         <p:spPr>
           <a:xfrm>
-            <a:off x="477012" y="480060"/>
-            <a:ext cx="11237976" cy="5897880"/>
+            <a:off x="838200" y="1166328"/>
+            <a:ext cx="10515600" cy="5523721"/>
           </a:xfrm>
-          <a:prstGeom prst="rect">
-            <a:avLst/>
-          </a:prstGeom>
-          <a:solidFill>
-            <a:srgbClr val="FFFFFF"/>
-          </a:solidFill>
-          <a:ln>
-            <a:noFill/>
-          </a:ln>
         </p:spPr>
-        <p:style>
-          <a:lnRef idx="2">
-            <a:schemeClr val="accent1">
-              <a:shade val="50000"/>
-            </a:schemeClr>
-          </a:lnRef>
-          <a:fillRef idx="1">
-            <a:schemeClr val="accent1"/>
-          </a:fillRef>
-          <a:effectRef idx="0">
-            <a:schemeClr val="accent1"/>
-          </a:effectRef>
-          <a:fontRef idx="minor">
-            <a:schemeClr val="lt1"/>
-          </a:fontRef>
-        </p:style>
-        <p:txBody>
-          <a:bodyPr rtlCol="0" anchor="ctr"/>
-          <a:lstStyle/>
-          <a:p>
-            <a:pPr algn="ctr"/>
-            <a:endParaRPr lang="en-US"/>
+        <p:txBody>
+          <a:bodyPr/>
+          <a:lstStyle/>
+          <a:p>
+            <a:pPr marL="0" indent="0">
+              <a:buNone/>
+            </a:pPr>
+            <a:r>
+              <a:rPr lang="en-US" sz="1600" dirty="0" err="1">
+                <a:solidFill>
+                  <a:srgbClr val="FF0000"/>
+                </a:solidFill>
+              </a:rPr>
+              <a:t>textarea</a:t>
+            </a:r>
+            <a:endParaRPr lang="en-US" sz="1600" dirty="0">
+              <a:solidFill>
+                <a:srgbClr val="FF0000"/>
+              </a:solidFill>
+            </a:endParaRPr>
+          </a:p>
+          <a:p>
+            <a:pPr marL="0" indent="0">
+              <a:buNone/>
+            </a:pPr>
+            <a:endParaRPr lang="en-US" dirty="0"/>
+          </a:p>
+          <a:p>
+            <a:pPr marL="0" indent="0">
+              <a:buNone/>
+            </a:pPr>
+            <a:r>
+              <a:rPr lang="en-US" sz="1600" dirty="0">
+                <a:solidFill>
+                  <a:srgbClr val="FF0000"/>
+                </a:solidFill>
+              </a:rPr>
+              <a:t>select</a:t>
+            </a:r>
+            <a:r>
+              <a:rPr lang="en-US" dirty="0"/>
+              <a:t> </a:t>
+            </a:r>
+          </a:p>
+          <a:p>
+            <a:endParaRPr lang="en-US" dirty="0"/>
           </a:p>
         </p:txBody>
       </p:sp>
       <p:pic>
         <p:nvPicPr>
-          <p:cNvPr id="6" name="Picture 5">
-            <a:extLst>
-              <a:ext uri="{FF2B5EF4-FFF2-40B4-BE49-F238E27FC236}">
-                <a16:creationId xmlns:a16="http://schemas.microsoft.com/office/drawing/2014/main" id="{665A932D-0DD1-4819-AEE3-217CBA626E95}"/>
+          <p:cNvPr id="4" name="Picture 3">
+            <a:extLst>
+              <a:ext uri="{FF2B5EF4-FFF2-40B4-BE49-F238E27FC236}">
+                <a16:creationId xmlns:a16="http://schemas.microsoft.com/office/drawing/2014/main" id="{CDD537B3-8C0C-414D-B1F0-D83A577C50E8}"/>
               </a:ext>
             </a:extLst>
           </p:cNvPr>
@@ -9032,21 +9766,45 @@
           <p:nvPr/>
         </p:nvPicPr>
         <p:blipFill>
-          <a:blip r:embed="rId2">
-            <a:extLst>
-              <a:ext uri="{28A0092B-C50C-407E-A947-70E740481C1C}">
-                <a14:useLocalDpi xmlns:a14="http://schemas.microsoft.com/office/drawing/2010/main" val="0"/>
-              </a:ext>
-            </a:extLst>
-          </a:blip>
+          <a:blip r:embed="rId2"/>
           <a:stretch>
             <a:fillRect/>
           </a:stretch>
         </p:blipFill>
         <p:spPr>
           <a:xfrm>
-            <a:off x="687196" y="643467"/>
-            <a:ext cx="10817607" cy="5571066"/>
+            <a:off x="2678161" y="1208026"/>
+            <a:ext cx="6619875" cy="771525"/>
+          </a:xfrm>
+          <a:prstGeom prst="rect">
+            <a:avLst/>
+          </a:prstGeom>
+        </p:spPr>
+      </p:pic>
+      <p:pic>
+        <p:nvPicPr>
+          <p:cNvPr id="5" name="Picture 4">
+            <a:extLst>
+              <a:ext uri="{FF2B5EF4-FFF2-40B4-BE49-F238E27FC236}">
+                <a16:creationId xmlns:a16="http://schemas.microsoft.com/office/drawing/2014/main" id="{3C121854-A4AF-4B55-B221-1EAD69351A83}"/>
+              </a:ext>
+            </a:extLst>
+          </p:cNvPr>
+          <p:cNvPicPr>
+            <a:picLocks noChangeAspect="1"/>
+          </p:cNvPicPr>
+          <p:nvPr/>
+        </p:nvPicPr>
+        <p:blipFill>
+          <a:blip r:embed="rId3"/>
+          <a:stretch>
+            <a:fillRect/>
+          </a:stretch>
+        </p:blipFill>
+        <p:spPr>
+          <a:xfrm>
+            <a:off x="2959165" y="2068463"/>
+            <a:ext cx="3829050" cy="4429125"/>
           </a:xfrm>
           <a:prstGeom prst="rect">
             <a:avLst/>
@@ -9056,7 +9814,7 @@
     </p:spTree>
     <p:extLst>
       <p:ext uri="{BB962C8B-B14F-4D97-AF65-F5344CB8AC3E}">
-        <p14:creationId xmlns:p14="http://schemas.microsoft.com/office/powerpoint/2010/main" val="3961196323"/>
+        <p14:creationId xmlns:p14="http://schemas.microsoft.com/office/powerpoint/2010/main" val="3706849372"/>
       </p:ext>
     </p:extLst>
   </p:cSld>

--- a/2/Web ծրագրավորման դասընթաց - Դաս 2.pptx
+++ b/2/Web ծրագրավորման դասընթաց - Դաս 2.pptx
@@ -21,9 +21,13 @@
     <p:sldId id="259" r:id="rId15"/>
     <p:sldId id="269" r:id="rId16"/>
     <p:sldId id="270" r:id="rId17"/>
-    <p:sldId id="271" r:id="rId18"/>
-    <p:sldId id="273" r:id="rId19"/>
-    <p:sldId id="274" r:id="rId20"/>
+    <p:sldId id="276" r:id="rId18"/>
+    <p:sldId id="277" r:id="rId19"/>
+    <p:sldId id="271" r:id="rId20"/>
+    <p:sldId id="278" r:id="rId21"/>
+    <p:sldId id="279" r:id="rId22"/>
+    <p:sldId id="273" r:id="rId23"/>
+    <p:sldId id="274" r:id="rId24"/>
   </p:sldIdLst>
   <p:sldSz cx="12192000" cy="6858000"/>
   <p:notesSz cx="6858000" cy="9144000"/>
@@ -277,7 +281,7 @@
           <a:p>
             <a:fld id="{B054DD91-EB8A-463F-8F8B-D25AE6D5CF75}" type="datetimeFigureOut">
               <a:rPr lang="en-US" smtClean="0"/>
-              <a:t>5/13/2020</a:t>
+              <a:t>5/18/2020</a:t>
             </a:fld>
             <a:endParaRPr lang="en-US"/>
           </a:p>
@@ -475,7 +479,7 @@
           <a:p>
             <a:fld id="{B054DD91-EB8A-463F-8F8B-D25AE6D5CF75}" type="datetimeFigureOut">
               <a:rPr lang="en-US" smtClean="0"/>
-              <a:t>5/13/2020</a:t>
+              <a:t>5/18/2020</a:t>
             </a:fld>
             <a:endParaRPr lang="en-US"/>
           </a:p>
@@ -683,7 +687,7 @@
           <a:p>
             <a:fld id="{B054DD91-EB8A-463F-8F8B-D25AE6D5CF75}" type="datetimeFigureOut">
               <a:rPr lang="en-US" smtClean="0"/>
-              <a:t>5/13/2020</a:t>
+              <a:t>5/18/2020</a:t>
             </a:fld>
             <a:endParaRPr lang="en-US"/>
           </a:p>
@@ -881,7 +885,7 @@
           <a:p>
             <a:fld id="{B054DD91-EB8A-463F-8F8B-D25AE6D5CF75}" type="datetimeFigureOut">
               <a:rPr lang="en-US" smtClean="0"/>
-              <a:t>5/13/2020</a:t>
+              <a:t>5/18/2020</a:t>
             </a:fld>
             <a:endParaRPr lang="en-US"/>
           </a:p>
@@ -1156,7 +1160,7 @@
           <a:p>
             <a:fld id="{B054DD91-EB8A-463F-8F8B-D25AE6D5CF75}" type="datetimeFigureOut">
               <a:rPr lang="en-US" smtClean="0"/>
-              <a:t>5/13/2020</a:t>
+              <a:t>5/18/2020</a:t>
             </a:fld>
             <a:endParaRPr lang="en-US"/>
           </a:p>
@@ -1421,7 +1425,7 @@
           <a:p>
             <a:fld id="{B054DD91-EB8A-463F-8F8B-D25AE6D5CF75}" type="datetimeFigureOut">
               <a:rPr lang="en-US" smtClean="0"/>
-              <a:t>5/13/2020</a:t>
+              <a:t>5/18/2020</a:t>
             </a:fld>
             <a:endParaRPr lang="en-US"/>
           </a:p>
@@ -1833,7 +1837,7 @@
           <a:p>
             <a:fld id="{B054DD91-EB8A-463F-8F8B-D25AE6D5CF75}" type="datetimeFigureOut">
               <a:rPr lang="en-US" smtClean="0"/>
-              <a:t>5/13/2020</a:t>
+              <a:t>5/18/2020</a:t>
             </a:fld>
             <a:endParaRPr lang="en-US"/>
           </a:p>
@@ -1974,7 +1978,7 @@
           <a:p>
             <a:fld id="{B054DD91-EB8A-463F-8F8B-D25AE6D5CF75}" type="datetimeFigureOut">
               <a:rPr lang="en-US" smtClean="0"/>
-              <a:t>5/13/2020</a:t>
+              <a:t>5/18/2020</a:t>
             </a:fld>
             <a:endParaRPr lang="en-US"/>
           </a:p>
@@ -2087,7 +2091,7 @@
           <a:p>
             <a:fld id="{B054DD91-EB8A-463F-8F8B-D25AE6D5CF75}" type="datetimeFigureOut">
               <a:rPr lang="en-US" smtClean="0"/>
-              <a:t>5/13/2020</a:t>
+              <a:t>5/18/2020</a:t>
             </a:fld>
             <a:endParaRPr lang="en-US"/>
           </a:p>
@@ -2398,7 +2402,7 @@
           <a:p>
             <a:fld id="{B054DD91-EB8A-463F-8F8B-D25AE6D5CF75}" type="datetimeFigureOut">
               <a:rPr lang="en-US" smtClean="0"/>
-              <a:t>5/13/2020</a:t>
+              <a:t>5/18/2020</a:t>
             </a:fld>
             <a:endParaRPr lang="en-US"/>
           </a:p>
@@ -2686,7 +2690,7 @@
           <a:p>
             <a:fld id="{B054DD91-EB8A-463F-8F8B-D25AE6D5CF75}" type="datetimeFigureOut">
               <a:rPr lang="en-US" smtClean="0"/>
-              <a:t>5/13/2020</a:t>
+              <a:t>5/18/2020</a:t>
             </a:fld>
             <a:endParaRPr lang="en-US"/>
           </a:p>
@@ -2927,7 +2931,7 @@
           <a:p>
             <a:fld id="{B054DD91-EB8A-463F-8F8B-D25AE6D5CF75}" type="datetimeFigureOut">
               <a:rPr lang="en-US" smtClean="0"/>
-              <a:t>5/13/2020</a:t>
+              <a:t>5/18/2020</a:t>
             </a:fld>
             <a:endParaRPr lang="en-US"/>
           </a:p>
@@ -5679,7 +5683,9 @@
         </p:nvSpPr>
         <p:spPr/>
         <p:txBody>
-          <a:bodyPr/>
+          <a:bodyPr>
+            <a:normAutofit/>
+          </a:bodyPr>
           <a:lstStyle/>
           <a:p>
             <a:r>
@@ -5736,6 +5742,269 @@
           <p:cNvPr id="2" name="Title 1">
             <a:extLst>
               <a:ext uri="{FF2B5EF4-FFF2-40B4-BE49-F238E27FC236}">
+                <a16:creationId xmlns:a16="http://schemas.microsoft.com/office/drawing/2014/main" id="{765E518C-CF11-4F9B-BE75-519EFF21EC90}"/>
+              </a:ext>
+            </a:extLst>
+          </p:cNvPr>
+          <p:cNvSpPr>
+            <a:spLocks noGrp="1"/>
+          </p:cNvSpPr>
+          <p:nvPr>
+            <p:ph type="title"/>
+          </p:nvPr>
+        </p:nvSpPr>
+        <p:spPr/>
+        <p:txBody>
+          <a:bodyPr/>
+          <a:lstStyle/>
+          <a:p>
+            <a:r>
+              <a:rPr lang="en-US" dirty="0"/>
+              <a:t>Col-</a:t>
+            </a:r>
+            <a:r>
+              <a:rPr lang="hy-AM" dirty="0"/>
+              <a:t>երի </a:t>
+            </a:r>
+            <a:r>
+              <a:rPr lang="en-US" dirty="0"/>
+              <a:t>width-</a:t>
+            </a:r>
+            <a:r>
+              <a:rPr lang="hy-AM" dirty="0"/>
+              <a:t>եր</a:t>
+            </a:r>
+            <a:endParaRPr lang="en-US" dirty="0"/>
+          </a:p>
+        </p:txBody>
+      </p:sp>
+      <p:sp>
+        <p:nvSpPr>
+          <p:cNvPr id="3" name="Content Placeholder 2">
+            <a:extLst>
+              <a:ext uri="{FF2B5EF4-FFF2-40B4-BE49-F238E27FC236}">
+                <a16:creationId xmlns:a16="http://schemas.microsoft.com/office/drawing/2014/main" id="{1F019DDF-59A2-42B8-A1B2-33AD351DF7A6}"/>
+              </a:ext>
+            </a:extLst>
+          </p:cNvPr>
+          <p:cNvSpPr>
+            <a:spLocks noGrp="1"/>
+          </p:cNvSpPr>
+          <p:nvPr>
+            <p:ph idx="1"/>
+          </p:nvPr>
+        </p:nvSpPr>
+        <p:spPr/>
+        <p:txBody>
+          <a:bodyPr/>
+          <a:lstStyle/>
+          <a:p>
+            <a:r>
+              <a:rPr lang="en-US" dirty="0"/>
+              <a:t>.col - &lt; 576px</a:t>
+            </a:r>
+          </a:p>
+          <a:p>
+            <a:r>
+              <a:rPr lang="en-US" dirty="0"/>
+              <a:t>.col-</a:t>
+            </a:r>
+            <a:r>
+              <a:rPr lang="en-US" dirty="0" err="1"/>
+              <a:t>sm</a:t>
+            </a:r>
+            <a:r>
+              <a:rPr lang="en-US" dirty="0"/>
+              <a:t> – &gt;=576px  &amp;&amp; &lt; 768px</a:t>
+            </a:r>
+          </a:p>
+          <a:p>
+            <a:r>
+              <a:rPr lang="en-US" dirty="0"/>
+              <a:t>.col-md - &gt;= 768px  &amp;&amp; &lt; 992px</a:t>
+            </a:r>
+          </a:p>
+          <a:p>
+            <a:r>
+              <a:rPr lang="en-US" dirty="0"/>
+              <a:t>.col-lg &gt;= 992px &amp;&amp; &lt; 1200px</a:t>
+            </a:r>
+          </a:p>
+          <a:p>
+            <a:r>
+              <a:rPr lang="en-US" dirty="0"/>
+              <a:t>.col-xl &gt;= 1200px</a:t>
+            </a:r>
+          </a:p>
+          <a:p>
+            <a:endParaRPr lang="en-US" dirty="0"/>
+          </a:p>
+          <a:p>
+            <a:r>
+              <a:rPr lang="en-US" dirty="0"/>
+              <a:t>Px – </a:t>
+            </a:r>
+            <a:r>
+              <a:rPr lang="en-US" dirty="0" err="1"/>
+              <a:t>pt</a:t>
+            </a:r>
+            <a:r>
+              <a:rPr lang="en-US" dirty="0"/>
+              <a:t> – </a:t>
+            </a:r>
+            <a:r>
+              <a:rPr lang="en-US" dirty="0" err="1"/>
+              <a:t>em</a:t>
+            </a:r>
+            <a:r>
+              <a:rPr lang="en-US" dirty="0"/>
+              <a:t> – </a:t>
+            </a:r>
+            <a:r>
+              <a:rPr lang="hy-AM" dirty="0"/>
+              <a:t>չափման միավորներ</a:t>
+            </a:r>
+            <a:endParaRPr lang="en-US" dirty="0"/>
+          </a:p>
+          <a:p>
+            <a:endParaRPr lang="en-US" dirty="0"/>
+          </a:p>
+        </p:txBody>
+      </p:sp>
+    </p:spTree>
+    <p:extLst>
+      <p:ext uri="{BB962C8B-B14F-4D97-AF65-F5344CB8AC3E}">
+        <p14:creationId xmlns:p14="http://schemas.microsoft.com/office/powerpoint/2010/main" val="3531462398"/>
+      </p:ext>
+    </p:extLst>
+  </p:cSld>
+  <p:clrMapOvr>
+    <a:masterClrMapping/>
+  </p:clrMapOvr>
+</p:sld>
+</file>
+
+<file path=ppt/slides/slide18.xml><?xml version="1.0" encoding="utf-8"?>
+<p:sld xmlns:a="http://schemas.openxmlformats.org/drawingml/2006/main" xmlns:r="http://schemas.openxmlformats.org/officeDocument/2006/relationships" xmlns:p="http://schemas.openxmlformats.org/presentationml/2006/main">
+  <p:cSld>
+    <p:spTree>
+      <p:nvGrpSpPr>
+        <p:cNvPr id="1" name=""/>
+        <p:cNvGrpSpPr/>
+        <p:nvPr/>
+      </p:nvGrpSpPr>
+      <p:grpSpPr>
+        <a:xfrm>
+          <a:off x="0" y="0"/>
+          <a:ext cx="0" cy="0"/>
+          <a:chOff x="0" y="0"/>
+          <a:chExt cx="0" cy="0"/>
+        </a:xfrm>
+      </p:grpSpPr>
+      <p:sp>
+        <p:nvSpPr>
+          <p:cNvPr id="2" name="Title 1">
+            <a:extLst>
+              <a:ext uri="{FF2B5EF4-FFF2-40B4-BE49-F238E27FC236}">
+                <a16:creationId xmlns:a16="http://schemas.microsoft.com/office/drawing/2014/main" id="{D2421E35-09BE-4AD3-A9CF-9BB8D16D42FC}"/>
+              </a:ext>
+            </a:extLst>
+          </p:cNvPr>
+          <p:cNvSpPr>
+            <a:spLocks noGrp="1"/>
+          </p:cNvSpPr>
+          <p:nvPr>
+            <p:ph type="title"/>
+          </p:nvPr>
+        </p:nvSpPr>
+        <p:spPr/>
+        <p:txBody>
+          <a:bodyPr/>
+          <a:lstStyle/>
+          <a:p>
+            <a:endParaRPr lang="en-US"/>
+          </a:p>
+        </p:txBody>
+      </p:sp>
+      <p:sp>
+        <p:nvSpPr>
+          <p:cNvPr id="3" name="Content Placeholder 2">
+            <a:extLst>
+              <a:ext uri="{FF2B5EF4-FFF2-40B4-BE49-F238E27FC236}">
+                <a16:creationId xmlns:a16="http://schemas.microsoft.com/office/drawing/2014/main" id="{FC0EB5C2-A12A-4E1C-93D8-AA9DB7458816}"/>
+              </a:ext>
+            </a:extLst>
+          </p:cNvPr>
+          <p:cNvSpPr>
+            <a:spLocks noGrp="1"/>
+          </p:cNvSpPr>
+          <p:nvPr>
+            <p:ph idx="1"/>
+          </p:nvPr>
+        </p:nvSpPr>
+        <p:spPr/>
+        <p:txBody>
+          <a:bodyPr/>
+          <a:lstStyle/>
+          <a:p>
+            <a:r>
+              <a:rPr lang="en-US" sz="1400" dirty="0"/>
+              <a:t>Code execution sequence – </a:t>
+            </a:r>
+            <a:r>
+              <a:rPr lang="hy-AM" sz="1400" dirty="0"/>
+              <a:t>կոդի կատարման հաջորդականություն, </a:t>
+            </a:r>
+            <a:r>
+              <a:rPr lang="en-US" sz="1400" dirty="0"/>
+              <a:t>FIFO – First input first output – queue -</a:t>
+            </a:r>
+            <a:r>
+              <a:rPr lang="hy-AM" sz="1400" dirty="0"/>
+              <a:t>հերթ</a:t>
+            </a:r>
+            <a:endParaRPr lang="en-US" sz="1400" dirty="0"/>
+          </a:p>
+          <a:p>
+            <a:endParaRPr lang="en-US" dirty="0"/>
+          </a:p>
+        </p:txBody>
+      </p:sp>
+    </p:spTree>
+    <p:extLst>
+      <p:ext uri="{BB962C8B-B14F-4D97-AF65-F5344CB8AC3E}">
+        <p14:creationId xmlns:p14="http://schemas.microsoft.com/office/powerpoint/2010/main" val="3150687642"/>
+      </p:ext>
+    </p:extLst>
+  </p:cSld>
+  <p:clrMapOvr>
+    <a:masterClrMapping/>
+  </p:clrMapOvr>
+</p:sld>
+</file>
+
+<file path=ppt/slides/slide19.xml><?xml version="1.0" encoding="utf-8"?>
+<p:sld xmlns:a="http://schemas.openxmlformats.org/drawingml/2006/main" xmlns:r="http://schemas.openxmlformats.org/officeDocument/2006/relationships" xmlns:p="http://schemas.openxmlformats.org/presentationml/2006/main">
+  <p:cSld>
+    <p:spTree>
+      <p:nvGrpSpPr>
+        <p:cNvPr id="1" name=""/>
+        <p:cNvGrpSpPr/>
+        <p:nvPr/>
+      </p:nvGrpSpPr>
+      <p:grpSpPr>
+        <a:xfrm>
+          <a:off x="0" y="0"/>
+          <a:ext cx="0" cy="0"/>
+          <a:chOff x="0" y="0"/>
+          <a:chExt cx="0" cy="0"/>
+        </a:xfrm>
+      </p:grpSpPr>
+      <p:sp>
+        <p:nvSpPr>
+          <p:cNvPr id="2" name="Title 1">
+            <a:extLst>
+              <a:ext uri="{FF2B5EF4-FFF2-40B4-BE49-F238E27FC236}">
                 <a16:creationId xmlns:a16="http://schemas.microsoft.com/office/drawing/2014/main" id="{881CE79B-0D8F-46CE-84BE-5446DFC78CEF}"/>
               </a:ext>
             </a:extLst>
@@ -5747,7 +6016,12 @@
             <p:ph type="title"/>
           </p:nvPr>
         </p:nvSpPr>
-        <p:spPr/>
+        <p:spPr>
+          <a:xfrm>
+            <a:off x="855785" y="248993"/>
+            <a:ext cx="10515600" cy="1325563"/>
+          </a:xfrm>
+        </p:spPr>
         <p:txBody>
           <a:bodyPr>
             <a:normAutofit/>
@@ -6561,7 +6835,470 @@
 </p:sld>
 </file>
 
-<file path=ppt/slides/slide18.xml><?xml version="1.0" encoding="utf-8"?>
+<file path=ppt/slides/slide2.xml><?xml version="1.0" encoding="utf-8"?>
+<p:sld xmlns:a="http://schemas.openxmlformats.org/drawingml/2006/main" xmlns:r="http://schemas.openxmlformats.org/officeDocument/2006/relationships" xmlns:p="http://schemas.openxmlformats.org/presentationml/2006/main">
+  <p:cSld>
+    <p:spTree>
+      <p:nvGrpSpPr>
+        <p:cNvPr id="1" name=""/>
+        <p:cNvGrpSpPr/>
+        <p:nvPr/>
+      </p:nvGrpSpPr>
+      <p:grpSpPr>
+        <a:xfrm>
+          <a:off x="0" y="0"/>
+          <a:ext cx="0" cy="0"/>
+          <a:chOff x="0" y="0"/>
+          <a:chExt cx="0" cy="0"/>
+        </a:xfrm>
+      </p:grpSpPr>
+      <p:sp>
+        <p:nvSpPr>
+          <p:cNvPr id="2" name="Title 1">
+            <a:extLst>
+              <a:ext uri="{FF2B5EF4-FFF2-40B4-BE49-F238E27FC236}">
+                <a16:creationId xmlns:a16="http://schemas.microsoft.com/office/drawing/2014/main" id="{ACC2CDED-388C-448B-9554-0BD11C74A7C6}"/>
+              </a:ext>
+            </a:extLst>
+          </p:cNvPr>
+          <p:cNvSpPr>
+            <a:spLocks noGrp="1"/>
+          </p:cNvSpPr>
+          <p:nvPr>
+            <p:ph type="title"/>
+          </p:nvPr>
+        </p:nvSpPr>
+        <p:spPr/>
+        <p:txBody>
+          <a:bodyPr/>
+          <a:lstStyle/>
+          <a:p>
+            <a:r>
+              <a:rPr lang="hy-AM" dirty="0">
+                <a:solidFill>
+                  <a:srgbClr val="FF0000"/>
+                </a:solidFill>
+              </a:rPr>
+              <a:t>Դասի գլխավոր նպատակները</a:t>
+            </a:r>
+            <a:endParaRPr lang="en-US" dirty="0">
+              <a:solidFill>
+                <a:srgbClr val="FF0000"/>
+              </a:solidFill>
+            </a:endParaRPr>
+          </a:p>
+        </p:txBody>
+      </p:sp>
+      <p:sp>
+        <p:nvSpPr>
+          <p:cNvPr id="5" name="Content Placeholder 4">
+            <a:extLst>
+              <a:ext uri="{FF2B5EF4-FFF2-40B4-BE49-F238E27FC236}">
+                <a16:creationId xmlns:a16="http://schemas.microsoft.com/office/drawing/2014/main" id="{472A7298-A4E1-4B65-9089-FD6507D7356A}"/>
+              </a:ext>
+            </a:extLst>
+          </p:cNvPr>
+          <p:cNvSpPr>
+            <a:spLocks noGrp="1"/>
+          </p:cNvSpPr>
+          <p:nvPr>
+            <p:ph idx="1"/>
+          </p:nvPr>
+        </p:nvSpPr>
+        <p:spPr/>
+        <p:txBody>
+          <a:bodyPr/>
+          <a:lstStyle/>
+          <a:p>
+            <a:r>
+              <a:rPr lang="en-US" sz="2000" dirty="0"/>
+              <a:t>HTML</a:t>
+            </a:r>
+            <a:r>
+              <a:rPr lang="hy-AM" sz="2000" dirty="0"/>
+              <a:t> -</a:t>
+            </a:r>
+            <a:r>
+              <a:rPr lang="en-US" sz="2000" dirty="0"/>
+              <a:t> </a:t>
+            </a:r>
+            <a:r>
+              <a:rPr lang="en-US" sz="2000" b="1" dirty="0"/>
+              <a:t>H</a:t>
+            </a:r>
+            <a:r>
+              <a:rPr lang="en-US" sz="2000" dirty="0"/>
+              <a:t>yper </a:t>
+            </a:r>
+            <a:r>
+              <a:rPr lang="en-US" sz="2000" b="1" dirty="0"/>
+              <a:t>T</a:t>
+            </a:r>
+            <a:r>
+              <a:rPr lang="en-US" sz="2000" dirty="0"/>
+              <a:t>ext </a:t>
+            </a:r>
+            <a:r>
+              <a:rPr lang="en-US" sz="2000" b="1" dirty="0"/>
+              <a:t>M</a:t>
+            </a:r>
+            <a:r>
+              <a:rPr lang="en-US" sz="2000" dirty="0"/>
+              <a:t>arkup </a:t>
+            </a:r>
+            <a:r>
+              <a:rPr lang="en-US" sz="2000" b="1" dirty="0"/>
+              <a:t>L</a:t>
+            </a:r>
+            <a:r>
+              <a:rPr lang="en-US" sz="2000" dirty="0"/>
+              <a:t>anguage &lt;&gt; XML</a:t>
+            </a:r>
+            <a:endParaRPr lang="hy-AM" sz="2000" dirty="0"/>
+          </a:p>
+          <a:p>
+            <a:r>
+              <a:rPr lang="en-US" sz="2000" dirty="0"/>
+              <a:t>Tag-</a:t>
+            </a:r>
+            <a:r>
+              <a:rPr lang="hy-AM" sz="2000" dirty="0"/>
+              <a:t>երի հետ ծանոթություն</a:t>
+            </a:r>
+            <a:endParaRPr lang="en-US" sz="2000" dirty="0"/>
+          </a:p>
+          <a:p>
+            <a:r>
+              <a:rPr lang="hy-AM" sz="2000" dirty="0"/>
+              <a:t>Ինչ է </a:t>
+            </a:r>
+            <a:r>
+              <a:rPr lang="en-US" sz="2000" dirty="0"/>
+              <a:t>Layout-</a:t>
+            </a:r>
+            <a:r>
+              <a:rPr lang="hy-AM" sz="2000" dirty="0"/>
+              <a:t>ը</a:t>
+            </a:r>
+            <a:endParaRPr lang="en-US" sz="2000" dirty="0"/>
+          </a:p>
+          <a:p>
+            <a:r>
+              <a:rPr lang="hy-AM" sz="2000" dirty="0"/>
+              <a:t>Նախնական պատկերացում </a:t>
+            </a:r>
+            <a:r>
+              <a:rPr lang="en-US" sz="2000" dirty="0"/>
+              <a:t>CCS-</a:t>
+            </a:r>
+            <a:r>
+              <a:rPr lang="hy-AM" sz="2000" dirty="0"/>
+              <a:t>ի մասին</a:t>
+            </a:r>
+          </a:p>
+          <a:p>
+            <a:r>
+              <a:rPr lang="en-US" sz="2000" dirty="0"/>
+              <a:t>Bootstrap</a:t>
+            </a:r>
+          </a:p>
+          <a:p>
+            <a:r>
+              <a:rPr lang="hy-AM" sz="2000" dirty="0"/>
+              <a:t>Փոփոխականներ և նրանց տիպերը </a:t>
+            </a:r>
+            <a:r>
+              <a:rPr lang="en-US" sz="2000" dirty="0"/>
+              <a:t>JavaScript-um </a:t>
+            </a:r>
+            <a:r>
+              <a:rPr lang="hy-AM" sz="2000" dirty="0"/>
+              <a:t>և </a:t>
+            </a:r>
+            <a:r>
+              <a:rPr lang="en-US" sz="2000" dirty="0"/>
+              <a:t>PHP-</a:t>
+            </a:r>
+            <a:r>
+              <a:rPr lang="hy-AM" sz="2000" dirty="0"/>
+              <a:t>ում</a:t>
+            </a:r>
+            <a:endParaRPr lang="en-US" sz="2000" dirty="0"/>
+          </a:p>
+          <a:p>
+            <a:r>
+              <a:rPr lang="en-US" sz="2000" dirty="0" err="1"/>
+              <a:t>Javascript</a:t>
+            </a:r>
+            <a:r>
+              <a:rPr lang="en-US" sz="2000" dirty="0"/>
+              <a:t>/</a:t>
+            </a:r>
+            <a:r>
+              <a:rPr lang="en-US" sz="2000" dirty="0" err="1"/>
+              <a:t>JQuery</a:t>
+            </a:r>
+            <a:r>
+              <a:rPr lang="en-US" sz="2000" dirty="0"/>
+              <a:t>: </a:t>
+            </a:r>
+            <a:r>
+              <a:rPr lang="hy-AM" sz="2000" dirty="0"/>
+              <a:t>Առաջադրանք նկարների փոխելու մասին</a:t>
+            </a:r>
+            <a:endParaRPr lang="en-US" sz="2000" dirty="0"/>
+          </a:p>
+          <a:p>
+            <a:r>
+              <a:rPr lang="en-US" sz="2000" dirty="0"/>
+              <a:t>PHP: </a:t>
+            </a:r>
+            <a:r>
+              <a:rPr lang="hy-AM" sz="2000" dirty="0"/>
+              <a:t>Առաջադրանք նահանջ տարի</a:t>
+            </a:r>
+            <a:endParaRPr lang="en-US" sz="2000" dirty="0"/>
+          </a:p>
+          <a:p>
+            <a:endParaRPr lang="en-US" dirty="0"/>
+          </a:p>
+        </p:txBody>
+      </p:sp>
+    </p:spTree>
+    <p:extLst>
+      <p:ext uri="{BB962C8B-B14F-4D97-AF65-F5344CB8AC3E}">
+        <p14:creationId xmlns:p14="http://schemas.microsoft.com/office/powerpoint/2010/main" val="1026634551"/>
+      </p:ext>
+    </p:extLst>
+  </p:cSld>
+  <p:clrMapOvr>
+    <a:masterClrMapping/>
+  </p:clrMapOvr>
+</p:sld>
+</file>
+
+<file path=ppt/slides/slide20.xml><?xml version="1.0" encoding="utf-8"?>
+<p:sld xmlns:a="http://schemas.openxmlformats.org/drawingml/2006/main" xmlns:r="http://schemas.openxmlformats.org/officeDocument/2006/relationships" xmlns:p="http://schemas.openxmlformats.org/presentationml/2006/main">
+  <p:cSld>
+    <p:spTree>
+      <p:nvGrpSpPr>
+        <p:cNvPr id="1" name=""/>
+        <p:cNvGrpSpPr/>
+        <p:nvPr/>
+      </p:nvGrpSpPr>
+      <p:grpSpPr>
+        <a:xfrm>
+          <a:off x="0" y="0"/>
+          <a:ext cx="0" cy="0"/>
+          <a:chOff x="0" y="0"/>
+          <a:chExt cx="0" cy="0"/>
+        </a:xfrm>
+      </p:grpSpPr>
+      <p:sp>
+        <p:nvSpPr>
+          <p:cNvPr id="5" name="Title 4">
+            <a:extLst>
+              <a:ext uri="{FF2B5EF4-FFF2-40B4-BE49-F238E27FC236}">
+                <a16:creationId xmlns:a16="http://schemas.microsoft.com/office/drawing/2014/main" id="{12E8864C-2BF9-41D8-90A0-2C125260FD80}"/>
+              </a:ext>
+            </a:extLst>
+          </p:cNvPr>
+          <p:cNvSpPr>
+            <a:spLocks noGrp="1"/>
+          </p:cNvSpPr>
+          <p:nvPr>
+            <p:ph type="title"/>
+          </p:nvPr>
+        </p:nvSpPr>
+        <p:spPr>
+          <a:xfrm>
+            <a:off x="838200" y="365125"/>
+            <a:ext cx="10515600" cy="900967"/>
+          </a:xfrm>
+        </p:spPr>
+        <p:txBody>
+          <a:bodyPr/>
+          <a:lstStyle/>
+          <a:p>
+            <a:r>
+              <a:rPr lang="en-US" dirty="0">
+                <a:solidFill>
+                  <a:srgbClr val="FF0000"/>
+                </a:solidFill>
+              </a:rPr>
+              <a:t>Detailed info about JS variables</a:t>
+            </a:r>
+          </a:p>
+        </p:txBody>
+      </p:sp>
+      <p:sp>
+        <p:nvSpPr>
+          <p:cNvPr id="9" name="Content Placeholder 8">
+            <a:extLst>
+              <a:ext uri="{FF2B5EF4-FFF2-40B4-BE49-F238E27FC236}">
+                <a16:creationId xmlns:a16="http://schemas.microsoft.com/office/drawing/2014/main" id="{947CC459-E2EB-46DD-87B8-DE0A54855375}"/>
+              </a:ext>
+            </a:extLst>
+          </p:cNvPr>
+          <p:cNvSpPr>
+            <a:spLocks noGrp="1"/>
+          </p:cNvSpPr>
+          <p:nvPr>
+            <p:ph idx="1"/>
+          </p:nvPr>
+        </p:nvSpPr>
+        <p:spPr/>
+        <p:txBody>
+          <a:bodyPr/>
+          <a:lstStyle/>
+          <a:p>
+            <a:endParaRPr lang="en-US"/>
+          </a:p>
+        </p:txBody>
+      </p:sp>
+      <p:pic>
+        <p:nvPicPr>
+          <p:cNvPr id="10" name="Picture 9">
+            <a:extLst>
+              <a:ext uri="{FF2B5EF4-FFF2-40B4-BE49-F238E27FC236}">
+                <a16:creationId xmlns:a16="http://schemas.microsoft.com/office/drawing/2014/main" id="{F6CE26B2-323D-40E5-ACD9-30BA86C158B8}"/>
+              </a:ext>
+            </a:extLst>
+          </p:cNvPr>
+          <p:cNvPicPr>
+            <a:picLocks noChangeAspect="1"/>
+          </p:cNvPicPr>
+          <p:nvPr/>
+        </p:nvPicPr>
+        <p:blipFill>
+          <a:blip r:embed="rId2"/>
+          <a:stretch>
+            <a:fillRect/>
+          </a:stretch>
+        </p:blipFill>
+        <p:spPr>
+          <a:xfrm>
+            <a:off x="690464" y="1492898"/>
+            <a:ext cx="11501535" cy="4842588"/>
+          </a:xfrm>
+          <a:prstGeom prst="rect">
+            <a:avLst/>
+          </a:prstGeom>
+        </p:spPr>
+      </p:pic>
+    </p:spTree>
+    <p:extLst>
+      <p:ext uri="{BB962C8B-B14F-4D97-AF65-F5344CB8AC3E}">
+        <p14:creationId xmlns:p14="http://schemas.microsoft.com/office/powerpoint/2010/main" val="3159011066"/>
+      </p:ext>
+    </p:extLst>
+  </p:cSld>
+  <p:clrMapOvr>
+    <a:masterClrMapping/>
+  </p:clrMapOvr>
+</p:sld>
+</file>
+
+<file path=ppt/slides/slide21.xml><?xml version="1.0" encoding="utf-8"?>
+<p:sld xmlns:a="http://schemas.openxmlformats.org/drawingml/2006/main" xmlns:r="http://schemas.openxmlformats.org/officeDocument/2006/relationships" xmlns:p="http://schemas.openxmlformats.org/presentationml/2006/main">
+  <p:cSld>
+    <p:spTree>
+      <p:nvGrpSpPr>
+        <p:cNvPr id="1" name=""/>
+        <p:cNvGrpSpPr/>
+        <p:nvPr/>
+      </p:nvGrpSpPr>
+      <p:grpSpPr>
+        <a:xfrm>
+          <a:off x="0" y="0"/>
+          <a:ext cx="0" cy="0"/>
+          <a:chOff x="0" y="0"/>
+          <a:chExt cx="0" cy="0"/>
+        </a:xfrm>
+      </p:grpSpPr>
+      <p:sp>
+        <p:nvSpPr>
+          <p:cNvPr id="2" name="Title 1">
+            <a:extLst>
+              <a:ext uri="{FF2B5EF4-FFF2-40B4-BE49-F238E27FC236}">
+                <a16:creationId xmlns:a16="http://schemas.microsoft.com/office/drawing/2014/main" id="{5BF5DA38-D4B5-4967-8A5E-A903CEF3F434}"/>
+              </a:ext>
+            </a:extLst>
+          </p:cNvPr>
+          <p:cNvSpPr>
+            <a:spLocks noGrp="1"/>
+          </p:cNvSpPr>
+          <p:nvPr>
+            <p:ph type="title"/>
+          </p:nvPr>
+        </p:nvSpPr>
+        <p:spPr>
+          <a:xfrm>
+            <a:off x="923193" y="576141"/>
+            <a:ext cx="10515600" cy="1325563"/>
+          </a:xfrm>
+        </p:spPr>
+        <p:txBody>
+          <a:bodyPr/>
+          <a:lstStyle/>
+          <a:p>
+            <a:r>
+              <a:rPr lang="en-US" dirty="0">
+                <a:solidFill>
+                  <a:srgbClr val="FF0000"/>
+                </a:solidFill>
+              </a:rPr>
+              <a:t>Detailed info about JS variables</a:t>
+            </a:r>
+          </a:p>
+        </p:txBody>
+      </p:sp>
+      <p:pic>
+        <p:nvPicPr>
+          <p:cNvPr id="4" name="Content Placeholder 3">
+            <a:extLst>
+              <a:ext uri="{FF2B5EF4-FFF2-40B4-BE49-F238E27FC236}">
+                <a16:creationId xmlns:a16="http://schemas.microsoft.com/office/drawing/2014/main" id="{59F004EE-125F-4A33-B7B1-464CD652BBD5}"/>
+              </a:ext>
+            </a:extLst>
+          </p:cNvPr>
+          <p:cNvPicPr>
+            <a:picLocks noGrp="1" noChangeAspect="1"/>
+          </p:cNvPicPr>
+          <p:nvPr>
+            <p:ph idx="1"/>
+          </p:nvPr>
+        </p:nvPicPr>
+        <p:blipFill>
+          <a:blip r:embed="rId2"/>
+          <a:stretch>
+            <a:fillRect/>
+          </a:stretch>
+        </p:blipFill>
+        <p:spPr>
+          <a:xfrm>
+            <a:off x="923193" y="2135248"/>
+            <a:ext cx="8610600" cy="3419475"/>
+          </a:xfrm>
+          <a:prstGeom prst="rect">
+            <a:avLst/>
+          </a:prstGeom>
+        </p:spPr>
+      </p:pic>
+    </p:spTree>
+    <p:extLst>
+      <p:ext uri="{BB962C8B-B14F-4D97-AF65-F5344CB8AC3E}">
+        <p14:creationId xmlns:p14="http://schemas.microsoft.com/office/powerpoint/2010/main" val="1220374033"/>
+      </p:ext>
+    </p:extLst>
+  </p:cSld>
+  <p:clrMapOvr>
+    <a:masterClrMapping/>
+  </p:clrMapOvr>
+</p:sld>
+</file>
+
+<file path=ppt/slides/slide22.xml><?xml version="1.0" encoding="utf-8"?>
 <p:sld xmlns:a="http://schemas.openxmlformats.org/drawingml/2006/main" xmlns:r="http://schemas.openxmlformats.org/officeDocument/2006/relationships" xmlns:p="http://schemas.openxmlformats.org/presentationml/2006/main">
   <p:cSld>
     <p:spTree>
@@ -6915,7 +7652,7 @@
 </p:sld>
 </file>
 
-<file path=ppt/slides/slide19.xml><?xml version="1.0" encoding="utf-8"?>
+<file path=ppt/slides/slide23.xml><?xml version="1.0" encoding="utf-8"?>
 <p:sld xmlns:a="http://schemas.openxmlformats.org/drawingml/2006/main" xmlns:r="http://schemas.openxmlformats.org/officeDocument/2006/relationships" xmlns:p="http://schemas.openxmlformats.org/presentationml/2006/main">
   <p:cSld>
     <p:spTree>
@@ -7018,248 +7755,6 @@
     <p:extLst>
       <p:ext uri="{BB962C8B-B14F-4D97-AF65-F5344CB8AC3E}">
         <p14:creationId xmlns:p14="http://schemas.microsoft.com/office/powerpoint/2010/main" val="4233018801"/>
-      </p:ext>
-    </p:extLst>
-  </p:cSld>
-  <p:clrMapOvr>
-    <a:masterClrMapping/>
-  </p:clrMapOvr>
-</p:sld>
-</file>
-
-<file path=ppt/slides/slide2.xml><?xml version="1.0" encoding="utf-8"?>
-<p:sld xmlns:a="http://schemas.openxmlformats.org/drawingml/2006/main" xmlns:r="http://schemas.openxmlformats.org/officeDocument/2006/relationships" xmlns:p="http://schemas.openxmlformats.org/presentationml/2006/main">
-  <p:cSld>
-    <p:spTree>
-      <p:nvGrpSpPr>
-        <p:cNvPr id="1" name=""/>
-        <p:cNvGrpSpPr/>
-        <p:nvPr/>
-      </p:nvGrpSpPr>
-      <p:grpSpPr>
-        <a:xfrm>
-          <a:off x="0" y="0"/>
-          <a:ext cx="0" cy="0"/>
-          <a:chOff x="0" y="0"/>
-          <a:chExt cx="0" cy="0"/>
-        </a:xfrm>
-      </p:grpSpPr>
-      <p:sp>
-        <p:nvSpPr>
-          <p:cNvPr id="2" name="Title 1">
-            <a:extLst>
-              <a:ext uri="{FF2B5EF4-FFF2-40B4-BE49-F238E27FC236}">
-                <a16:creationId xmlns:a16="http://schemas.microsoft.com/office/drawing/2014/main" id="{ACC2CDED-388C-448B-9554-0BD11C74A7C6}"/>
-              </a:ext>
-            </a:extLst>
-          </p:cNvPr>
-          <p:cNvSpPr>
-            <a:spLocks noGrp="1"/>
-          </p:cNvSpPr>
-          <p:nvPr>
-            <p:ph type="title"/>
-          </p:nvPr>
-        </p:nvSpPr>
-        <p:spPr/>
-        <p:txBody>
-          <a:bodyPr/>
-          <a:lstStyle/>
-          <a:p>
-            <a:r>
-              <a:rPr lang="hy-AM" dirty="0">
-                <a:solidFill>
-                  <a:srgbClr val="FF0000"/>
-                </a:solidFill>
-              </a:rPr>
-              <a:t>Դասի գլխավոր նպատակները</a:t>
-            </a:r>
-            <a:endParaRPr lang="en-US" dirty="0">
-              <a:solidFill>
-                <a:srgbClr val="FF0000"/>
-              </a:solidFill>
-            </a:endParaRPr>
-          </a:p>
-        </p:txBody>
-      </p:sp>
-      <p:sp>
-        <p:nvSpPr>
-          <p:cNvPr id="5" name="Content Placeholder 4">
-            <a:extLst>
-              <a:ext uri="{FF2B5EF4-FFF2-40B4-BE49-F238E27FC236}">
-                <a16:creationId xmlns:a16="http://schemas.microsoft.com/office/drawing/2014/main" id="{472A7298-A4E1-4B65-9089-FD6507D7356A}"/>
-              </a:ext>
-            </a:extLst>
-          </p:cNvPr>
-          <p:cNvSpPr>
-            <a:spLocks noGrp="1"/>
-          </p:cNvSpPr>
-          <p:nvPr>
-            <p:ph idx="1"/>
-          </p:nvPr>
-        </p:nvSpPr>
-        <p:spPr/>
-        <p:txBody>
-          <a:bodyPr/>
-          <a:lstStyle/>
-          <a:p>
-            <a:r>
-              <a:rPr lang="en-US" sz="2000" dirty="0"/>
-              <a:t>HTML</a:t>
-            </a:r>
-            <a:r>
-              <a:rPr lang="hy-AM" sz="2000" dirty="0"/>
-              <a:t> -</a:t>
-            </a:r>
-            <a:r>
-              <a:rPr lang="en-US" sz="2000" dirty="0"/>
-              <a:t> </a:t>
-            </a:r>
-            <a:r>
-              <a:rPr lang="en-US" sz="2000" b="1" dirty="0"/>
-              <a:t>H</a:t>
-            </a:r>
-            <a:r>
-              <a:rPr lang="en-US" sz="2000" dirty="0"/>
-              <a:t>yper </a:t>
-            </a:r>
-            <a:r>
-              <a:rPr lang="en-US" sz="2000" b="1" dirty="0"/>
-              <a:t>T</a:t>
-            </a:r>
-            <a:r>
-              <a:rPr lang="en-US" sz="2000" dirty="0"/>
-              <a:t>ext </a:t>
-            </a:r>
-            <a:r>
-              <a:rPr lang="en-US" sz="2000" b="1" dirty="0"/>
-              <a:t>M</a:t>
-            </a:r>
-            <a:r>
-              <a:rPr lang="en-US" sz="2000" dirty="0"/>
-              <a:t>arkup </a:t>
-            </a:r>
-            <a:r>
-              <a:rPr lang="en-US" sz="2000" b="1" dirty="0"/>
-              <a:t>L</a:t>
-            </a:r>
-            <a:r>
-              <a:rPr lang="en-US" sz="2000" dirty="0"/>
-              <a:t>anguage &lt;&gt; XML</a:t>
-            </a:r>
-            <a:endParaRPr lang="hy-AM" sz="2000" dirty="0"/>
-          </a:p>
-          <a:p>
-            <a:r>
-              <a:rPr lang="en-US" sz="2000" dirty="0"/>
-              <a:t>Tag-</a:t>
-            </a:r>
-            <a:r>
-              <a:rPr lang="hy-AM" sz="2000" dirty="0"/>
-              <a:t>երի հետ ծանոթություն</a:t>
-            </a:r>
-            <a:endParaRPr lang="en-US" sz="2000" dirty="0"/>
-          </a:p>
-          <a:p>
-            <a:r>
-              <a:rPr lang="hy-AM" sz="2000" dirty="0"/>
-              <a:t>Ինչ է </a:t>
-            </a:r>
-            <a:r>
-              <a:rPr lang="en-US" sz="2000" dirty="0"/>
-              <a:t>Layout-</a:t>
-            </a:r>
-            <a:r>
-              <a:rPr lang="hy-AM" sz="2000" dirty="0"/>
-              <a:t>ը</a:t>
-            </a:r>
-            <a:endParaRPr lang="en-US" sz="2000" dirty="0"/>
-          </a:p>
-          <a:p>
-            <a:r>
-              <a:rPr lang="hy-AM" sz="2000" dirty="0"/>
-              <a:t>Նախնական պատկերացում </a:t>
-            </a:r>
-            <a:r>
-              <a:rPr lang="en-US" sz="2000" dirty="0"/>
-              <a:t>CCS-</a:t>
-            </a:r>
-            <a:r>
-              <a:rPr lang="hy-AM" sz="2000" dirty="0"/>
-              <a:t>ի մասին</a:t>
-            </a:r>
-          </a:p>
-          <a:p>
-            <a:r>
-              <a:rPr lang="en-US" sz="2000" dirty="0"/>
-              <a:t>Bootstrap</a:t>
-            </a:r>
-          </a:p>
-          <a:p>
-            <a:r>
-              <a:rPr lang="hy-AM" sz="2000" dirty="0"/>
-              <a:t>Փոփոխականներ և նրանց տիպերը </a:t>
-            </a:r>
-            <a:r>
-              <a:rPr lang="en-US" sz="2000" dirty="0"/>
-              <a:t>JavaScript-um </a:t>
-            </a:r>
-            <a:r>
-              <a:rPr lang="hy-AM" sz="2000" dirty="0"/>
-              <a:t>և </a:t>
-            </a:r>
-            <a:r>
-              <a:rPr lang="en-US" sz="2000" dirty="0"/>
-              <a:t>PHP-</a:t>
-            </a:r>
-            <a:r>
-              <a:rPr lang="hy-AM" sz="2000" dirty="0"/>
-              <a:t>ում</a:t>
-            </a:r>
-            <a:endParaRPr lang="en-US" sz="2000" dirty="0"/>
-          </a:p>
-          <a:p>
-            <a:r>
-              <a:rPr lang="en-US" sz="2000" dirty="0" err="1"/>
-              <a:t>Javascript</a:t>
-            </a:r>
-            <a:r>
-              <a:rPr lang="en-US" sz="2000" dirty="0"/>
-              <a:t>/</a:t>
-            </a:r>
-            <a:r>
-              <a:rPr lang="en-US" sz="2000" dirty="0" err="1"/>
-              <a:t>JQuery</a:t>
-            </a:r>
-            <a:r>
-              <a:rPr lang="en-US" sz="2000" dirty="0"/>
-              <a:t>: </a:t>
-            </a:r>
-            <a:r>
-              <a:rPr lang="hy-AM" sz="2000" dirty="0"/>
-              <a:t>Առաջադրանք նկարների փոխելու մասին</a:t>
-            </a:r>
-            <a:endParaRPr lang="en-US" sz="2000" dirty="0"/>
-          </a:p>
-          <a:p>
-            <a:r>
-              <a:rPr lang="en-US" sz="2000" dirty="0"/>
-              <a:t>PHP: </a:t>
-            </a:r>
-            <a:r>
-              <a:rPr lang="hy-AM" sz="2000" dirty="0"/>
-              <a:t>Առաջադրանք նահանջ տարի</a:t>
-            </a:r>
-            <a:endParaRPr lang="en-US" sz="2000" dirty="0"/>
-          </a:p>
-          <a:p>
-            <a:endParaRPr lang="en-US" dirty="0"/>
-          </a:p>
-        </p:txBody>
-      </p:sp>
-    </p:spTree>
-    <p:extLst>
-      <p:ext uri="{BB962C8B-B14F-4D97-AF65-F5344CB8AC3E}">
-        <p14:creationId xmlns:p14="http://schemas.microsoft.com/office/powerpoint/2010/main" val="1026634551"/>
       </p:ext>
     </p:extLst>
   </p:cSld>
